--- a/lecture_plan/6차시/presentation/6차시 ppt.pptx
+++ b/lecture_plan/6차시/presentation/6차시 ppt.pptx
@@ -1,6 +1,6 @@
 
 <file path=ppt/presentation.xml><?xml version="1.0" encoding="utf-8"?>
-<p:presentation xmlns:a="http://schemas.openxmlformats.org/drawingml/2006/main" xmlns:r="http://schemas.openxmlformats.org/officeDocument/2006/relationships" xmlns:p="http://schemas.openxmlformats.org/presentationml/2006/main" saveSubsetFonts="1">
+<p:presentation xmlns:a="http://schemas.openxmlformats.org/drawingml/2006/main" xmlns:r="http://schemas.openxmlformats.org/officeDocument/2006/relationships" xmlns:p="http://schemas.openxmlformats.org/presentationml/2006/main" embedTrueTypeFonts="1" saveSubsetFonts="1">
   <p:sldMasterIdLst>
     <p:sldMasterId id="2147483648" r:id="rId1"/>
   </p:sldMasterIdLst>
@@ -35,6 +35,17 @@
   </p:sldIdLst>
   <p:sldSz cx="12192000" cy="6858000"/>
   <p:notesSz cx="6858000" cy="9144000"/>
+  <p:embeddedFontLst>
+    <p:embeddedFont>
+      <p:font typeface="배달의민족 주아" panose="02020603020101020101" pitchFamily="18" charset="-127"/>
+      <p:regular r:id="rId27"/>
+    </p:embeddedFont>
+    <p:embeddedFont>
+      <p:font typeface="맑은 고딕" panose="020B0503020000020004" pitchFamily="50" charset="-127"/>
+      <p:regular r:id="rId28"/>
+      <p:bold r:id="rId29"/>
+    </p:embeddedFont>
+  </p:embeddedFontLst>
   <p:defaultTextStyle>
     <a:defPPr>
       <a:defRPr lang="ko-KR"/>
@@ -35150,8 +35161,8 @@
         </p:blipFill>
         <p:spPr>
           <a:xfrm>
-            <a:off x="3165250" y="1435964"/>
-            <a:ext cx="5572903" cy="4563112"/>
+            <a:off x="2588497" y="1406899"/>
+            <a:ext cx="6390250" cy="5232359"/>
           </a:xfrm>
           <a:prstGeom prst="rect">
             <a:avLst/>
@@ -36170,8 +36181,8 @@
         </p:blipFill>
         <p:spPr>
           <a:xfrm>
-            <a:off x="1119331" y="2607094"/>
-            <a:ext cx="10127586" cy="2555858"/>
+            <a:off x="482255" y="2340023"/>
+            <a:ext cx="11349641" cy="2864263"/>
           </a:xfrm>
           <a:prstGeom prst="rect">
             <a:avLst/>
@@ -37190,8 +37201,8 @@
         </p:blipFill>
         <p:spPr>
           <a:xfrm>
-            <a:off x="1989004" y="2006560"/>
-            <a:ext cx="8213992" cy="3672138"/>
+            <a:off x="252257" y="1429662"/>
+            <a:ext cx="11803505" cy="5276862"/>
           </a:xfrm>
           <a:prstGeom prst="rect">
             <a:avLst/>

--- a/lecture_plan/6차시/presentation/6차시 ppt.pptx
+++ b/lecture_plan/6차시/presentation/6차시 ppt.pptx
@@ -25,7 +25,7 @@
     <p:sldId id="276" r:id="rId16"/>
     <p:sldId id="277" r:id="rId17"/>
     <p:sldId id="280" r:id="rId18"/>
-    <p:sldId id="284" r:id="rId19"/>
+    <p:sldId id="286" r:id="rId19"/>
     <p:sldId id="281" r:id="rId20"/>
     <p:sldId id="285" r:id="rId21"/>
     <p:sldId id="278" r:id="rId22"/>
@@ -38,12 +38,12 @@
   <p:notesSz cx="6858000" cy="9144000"/>
   <p:embeddedFontLst>
     <p:embeddedFont>
-      <p:font typeface="맑은 고딕" panose="020B0503020000020004" pitchFamily="50" charset="-127"/>
+      <p:font typeface="맑은 고딕" panose="020B0503020000020004" pitchFamily="34" charset="-127"/>
       <p:regular r:id="rId28"/>
       <p:bold r:id="rId29"/>
     </p:embeddedFont>
     <p:embeddedFont>
-      <p:font typeface="배달의민족 주아" panose="02020603020101020101" pitchFamily="18" charset="-127"/>
+      <p:font typeface="배달의민족 주아" panose="020B0604020202020204" charset="-127"/>
       <p:regular r:id="rId30"/>
     </p:embeddedFont>
   </p:embeddedFontLst>
@@ -1410,12 +1410,16 @@
               <a:t>그래서 우리는 블루투스 모듈 중 </a:t>
             </a:r>
             <a:r>
-              <a:rPr lang="en-US" altLang="ko-KR" dirty="0"/>
-              <a:t>HC-06</a:t>
+              <a:rPr lang="en-US" altLang="ko-KR" dirty="0" smtClean="0"/>
+              <a:t>HC-05</a:t>
+            </a:r>
+            <a:r>
+              <a:rPr lang="ko-KR" altLang="en-US" dirty="0" smtClean="0"/>
+              <a:t>이라는 </a:t>
             </a:r>
             <a:r>
               <a:rPr lang="ko-KR" altLang="en-US" dirty="0"/>
-              <a:t>이라는 모듈을 사용 할 것 입니다</a:t>
+              <a:t>모듈을 사용 할 것 입니다</a:t>
             </a:r>
             <a:r>
               <a:rPr lang="en-US" altLang="ko-KR" dirty="0"/>
@@ -1424,11 +1428,11 @@
           </a:p>
           <a:p>
             <a:r>
-              <a:rPr lang="en-US" altLang="ko-KR" dirty="0"/>
-              <a:t>HC-06</a:t>
-            </a:r>
-            <a:r>
-              <a:rPr lang="ko-KR" altLang="en-US" dirty="0"/>
+              <a:rPr lang="en-US" altLang="ko-KR" dirty="0" smtClean="0"/>
+              <a:t>HC-05</a:t>
+            </a:r>
+            <a:r>
+              <a:rPr lang="ko-KR" altLang="en-US" dirty="0" smtClean="0"/>
               <a:t>모듈은 </a:t>
             </a:r>
             <a:r>
@@ -1477,7 +1481,19 @@
                 <a:ea typeface="+mn-ea"/>
                 <a:cs typeface="+mn-cs"/>
               </a:rPr>
-              <a:t>), HC-06 </a:t>
+              <a:t>), </a:t>
+            </a:r>
+            <a:r>
+              <a:rPr lang="en-US" altLang="ko-KR" sz="1200" b="0" i="0" kern="1200" dirty="0" smtClean="0">
+                <a:solidFill>
+                  <a:schemeClr val="tx1"/>
+                </a:solidFill>
+                <a:effectLst/>
+                <a:latin typeface="+mn-lt"/>
+                <a:ea typeface="+mn-ea"/>
+                <a:cs typeface="+mn-cs"/>
+              </a:rPr>
+              <a:t>HC-05 </a:t>
             </a:r>
             <a:r>
               <a:rPr lang="ko-KR" altLang="en-US" sz="1200" b="0" i="0" kern="1200" dirty="0">
@@ -1699,7 +1715,7 @@
               <a:t>이 </a:t>
             </a:r>
             <a:r>
-              <a:rPr lang="en-US" altLang="ko-KR" sz="1200" b="0" i="0" kern="1200" dirty="0">
+              <a:rPr lang="en-US" altLang="ko-KR" sz="1200" b="0" i="0" kern="1200" dirty="0" smtClean="0">
                 <a:solidFill>
                   <a:schemeClr val="tx1"/>
                 </a:solidFill>
@@ -1708,10 +1724,10 @@
                 <a:ea typeface="+mn-ea"/>
                 <a:cs typeface="+mn-cs"/>
               </a:rPr>
-              <a:t>HC-06</a:t>
-            </a:r>
-            <a:r>
-              <a:rPr lang="ko-KR" altLang="en-US" sz="1200" b="0" i="0" kern="1200" dirty="0">
+              <a:t>HC-05</a:t>
+            </a:r>
+            <a:r>
+              <a:rPr lang="ko-KR" altLang="en-US" sz="1200" b="0" i="0" kern="1200" dirty="0" smtClean="0">
                 <a:solidFill>
                   <a:schemeClr val="tx1"/>
                 </a:solidFill>
@@ -1720,7 +1736,19 @@
                 <a:ea typeface="+mn-ea"/>
                 <a:cs typeface="+mn-cs"/>
               </a:rPr>
-              <a:t>으로 신호를 보내 </a:t>
+              <a:t>으로 </a:t>
+            </a:r>
+            <a:r>
+              <a:rPr lang="ko-KR" altLang="en-US" sz="1200" b="0" i="0" kern="1200" dirty="0">
+                <a:solidFill>
+                  <a:schemeClr val="tx1"/>
+                </a:solidFill>
+                <a:effectLst/>
+                <a:latin typeface="+mn-lt"/>
+                <a:ea typeface="+mn-ea"/>
+                <a:cs typeface="+mn-cs"/>
+              </a:rPr>
+              <a:t>신호를 보내 </a:t>
             </a:r>
             <a:r>
               <a:rPr lang="en-US" altLang="ko-KR" sz="1200" b="0" i="0" kern="1200" dirty="0">
@@ -2381,7 +2409,7 @@
     </p:spTree>
     <p:extLst>
       <p:ext uri="{BB962C8B-B14F-4D97-AF65-F5344CB8AC3E}">
-        <p14:creationId xmlns:p14="http://schemas.microsoft.com/office/powerpoint/2010/main" val="4211278737"/>
+        <p14:creationId xmlns:p14="http://schemas.microsoft.com/office/powerpoint/2010/main" val="1449481975"/>
       </p:ext>
     </p:extLst>
   </p:cSld>
@@ -10888,6 +10916,16 @@
               </a:rPr>
               <a:t>)) {</a:t>
             </a:r>
+            <a:r>
+              <a:rPr lang="ko-KR" altLang="en-US" sz="3200" dirty="0">
+                <a:solidFill>
+                  <a:schemeClr val="bg1"/>
+                </a:solidFill>
+                <a:latin typeface="배달의민족 주아" panose="02020603020101020101" pitchFamily="18" charset="-127"/>
+                <a:ea typeface="배달의민족 주아" panose="02020603020101020101" pitchFamily="18" charset="-127"/>
+              </a:rPr>
+              <a:t/>
+            </a:r>
             <a:br>
               <a:rPr lang="ko-KR" altLang="en-US" sz="3200" dirty="0">
                 <a:solidFill>
@@ -12474,6 +12512,16 @@
               </a:rPr>
               <a:t>"); </a:t>
             </a:r>
+            <a:r>
+              <a:rPr lang="ko-KR" altLang="en-US" sz="2800" dirty="0">
+                <a:solidFill>
+                  <a:schemeClr val="bg1"/>
+                </a:solidFill>
+                <a:latin typeface="배달의민족 주아" panose="02020603020101020101" pitchFamily="18" charset="-127"/>
+                <a:ea typeface="배달의민족 주아" panose="02020603020101020101" pitchFamily="18" charset="-127"/>
+              </a:rPr>
+              <a:t/>
+            </a:r>
             <a:br>
               <a:rPr lang="ko-KR" altLang="en-US" sz="2800" dirty="0">
                 <a:solidFill>
@@ -16238,7 +16286,7 @@
         <p:spPr>
           <a:xfrm>
             <a:off x="522447" y="4797418"/>
-            <a:ext cx="10915249" cy="1508105"/>
+            <a:ext cx="10915249" cy="1569660"/>
           </a:xfrm>
           <a:prstGeom prst="rect">
             <a:avLst/>
@@ -16259,14 +16307,24 @@
               <a:buChar char="•"/>
             </a:pPr>
             <a:r>
-              <a:rPr lang="en-US" altLang="ko-KR" sz="3200" dirty="0">
-                <a:solidFill>
-                  <a:schemeClr val="bg1"/>
-                </a:solidFill>
-                <a:latin typeface="배달의민족 주아" panose="02020603020101020101" pitchFamily="18" charset="-127"/>
-                <a:ea typeface="배달의민족 주아" panose="02020603020101020101" pitchFamily="18" charset="-127"/>
-              </a:rPr>
-              <a:t>HC-06</a:t>
+              <a:rPr lang="en-US" altLang="ko-KR" sz="3200" dirty="0" smtClean="0">
+                <a:solidFill>
+                  <a:schemeClr val="bg1"/>
+                </a:solidFill>
+                <a:latin typeface="배달의민족 주아" panose="02020603020101020101" pitchFamily="18" charset="-127"/>
+                <a:ea typeface="배달의민족 주아" panose="02020603020101020101" pitchFamily="18" charset="-127"/>
+              </a:rPr>
+              <a:t>HC-05</a:t>
+            </a:r>
+            <a:r>
+              <a:rPr lang="ko-KR" altLang="en-US" sz="3200" dirty="0" smtClean="0">
+                <a:solidFill>
+                  <a:schemeClr val="bg1"/>
+                </a:solidFill>
+                <a:latin typeface="배달의민족 주아" panose="02020603020101020101" pitchFamily="18" charset="-127"/>
+                <a:ea typeface="배달의민족 주아" panose="02020603020101020101" pitchFamily="18" charset="-127"/>
+              </a:rPr>
+              <a:t>을 </a:t>
             </a:r>
             <a:r>
               <a:rPr lang="ko-KR" altLang="en-US" sz="3200" dirty="0">
@@ -16276,7 +16334,7 @@
                 <a:latin typeface="배달의민족 주아" panose="02020603020101020101" pitchFamily="18" charset="-127"/>
                 <a:ea typeface="배달의민족 주아" panose="02020603020101020101" pitchFamily="18" charset="-127"/>
               </a:rPr>
-              <a:t>을 사용하여 </a:t>
+              <a:t>사용하여 </a:t>
             </a:r>
             <a:r>
               <a:rPr lang="ko-KR" altLang="en-US" sz="3200" dirty="0" err="1">
@@ -16405,14 +16463,14 @@
               <a:t> </a:t>
             </a:r>
             <a:r>
-              <a:rPr lang="en-US" altLang="ko-KR" sz="3200" dirty="0">
-                <a:solidFill>
-                  <a:schemeClr val="bg1"/>
-                </a:solidFill>
-                <a:latin typeface="배달의민족 주아" panose="02020603020101020101" pitchFamily="18" charset="-127"/>
-                <a:ea typeface="배달의민족 주아" panose="02020603020101020101" pitchFamily="18" charset="-127"/>
-              </a:rPr>
-              <a:t>HC-06(</a:t>
+              <a:rPr lang="en-US" altLang="ko-KR" sz="3200" dirty="0" smtClean="0">
+                <a:solidFill>
+                  <a:schemeClr val="bg1"/>
+                </a:solidFill>
+                <a:latin typeface="배달의민족 주아" panose="02020603020101020101" pitchFamily="18" charset="-127"/>
+                <a:ea typeface="배달의민족 주아" panose="02020603020101020101" pitchFamily="18" charset="-127"/>
+              </a:rPr>
+              <a:t>HC-05(</a:t>
             </a:r>
             <a:r>
               <a:rPr lang="ko-KR" altLang="en-US" sz="3200" dirty="0" err="1">
@@ -18473,7 +18531,7 @@
                 <a:latin typeface="배달의민족 주아" panose="02020603020101020101" pitchFamily="18" charset="-127"/>
                 <a:ea typeface="배달의민족 주아" panose="02020603020101020101" pitchFamily="18" charset="-127"/>
               </a:rPr>
-              <a:t>#include &lt;</a:t>
+              <a:t>#include &lt;</a:t>
             </a:r>
             <a:r>
               <a:rPr lang="en-US" altLang="ko-KR" dirty="0" err="1">
@@ -18493,7 +18551,17 @@
                 <a:latin typeface="배달의민족 주아" panose="02020603020101020101" pitchFamily="18" charset="-127"/>
                 <a:ea typeface="배달의민족 주아" panose="02020603020101020101" pitchFamily="18" charset="-127"/>
               </a:rPr>
-              <a:t>&gt; //</a:t>
+              <a:t>&gt; // </a:t>
+            </a:r>
+            <a:r>
+              <a:rPr lang="ko-KR" altLang="en-US" dirty="0" err="1">
+                <a:solidFill>
+                  <a:schemeClr val="bg1"/>
+                </a:solidFill>
+                <a:latin typeface="배달의민족 주아" panose="02020603020101020101" pitchFamily="18" charset="-127"/>
+                <a:ea typeface="배달의민족 주아" panose="02020603020101020101" pitchFamily="18" charset="-127"/>
+              </a:rPr>
+              <a:t>시리얼통신</a:t>
             </a:r>
             <a:r>
               <a:rPr lang="ko-KR" altLang="en-US" dirty="0">
@@ -18503,10 +18571,191 @@
                 <a:latin typeface="배달의민족 주아" panose="02020603020101020101" pitchFamily="18" charset="-127"/>
                 <a:ea typeface="배달의민족 주아" panose="02020603020101020101" pitchFamily="18" charset="-127"/>
               </a:rPr>
-              <a:t>시리얼통신 라이브러리 호출</a:t>
-            </a:r>
-          </a:p>
-          <a:p>
+              <a:t> 라이브러리 </a:t>
+            </a:r>
+            <a:r>
+              <a:rPr lang="ko-KR" altLang="en-US" dirty="0" smtClean="0">
+                <a:solidFill>
+                  <a:schemeClr val="bg1"/>
+                </a:solidFill>
+                <a:latin typeface="배달의민족 주아" panose="02020603020101020101" pitchFamily="18" charset="-127"/>
+                <a:ea typeface="배달의민족 주아" panose="02020603020101020101" pitchFamily="18" charset="-127"/>
+              </a:rPr>
+              <a:t>호출</a:t>
+            </a:r>
+            <a:endParaRPr lang="ko-KR" altLang="en-US" dirty="0">
+              <a:solidFill>
+                <a:schemeClr val="bg1"/>
+              </a:solidFill>
+              <a:latin typeface="배달의민족 주아" panose="02020603020101020101" pitchFamily="18" charset="-127"/>
+              <a:ea typeface="배달의민족 주아" panose="02020603020101020101" pitchFamily="18" charset="-127"/>
+            </a:endParaRPr>
+          </a:p>
+          <a:p>
+            <a:r>
+              <a:rPr lang="en-US" altLang="ko-KR" dirty="0" err="1">
+                <a:solidFill>
+                  <a:schemeClr val="bg1"/>
+                </a:solidFill>
+                <a:latin typeface="배달의민족 주아" panose="02020603020101020101" pitchFamily="18" charset="-127"/>
+                <a:ea typeface="배달의민족 주아" panose="02020603020101020101" pitchFamily="18" charset="-127"/>
+              </a:rPr>
+              <a:t>int</a:t>
+            </a:r>
+            <a:r>
+              <a:rPr lang="en-US" altLang="ko-KR" dirty="0">
+                <a:solidFill>
+                  <a:schemeClr val="bg1"/>
+                </a:solidFill>
+                <a:latin typeface="배달의민족 주아" panose="02020603020101020101" pitchFamily="18" charset="-127"/>
+                <a:ea typeface="배달의민족 주아" panose="02020603020101020101" pitchFamily="18" charset="-127"/>
+              </a:rPr>
+              <a:t> </a:t>
+            </a:r>
+            <a:r>
+              <a:rPr lang="en-US" altLang="ko-KR" dirty="0" err="1">
+                <a:solidFill>
+                  <a:schemeClr val="bg1"/>
+                </a:solidFill>
+                <a:latin typeface="배달의민족 주아" panose="02020603020101020101" pitchFamily="18" charset="-127"/>
+                <a:ea typeface="배달의민족 주아" panose="02020603020101020101" pitchFamily="18" charset="-127"/>
+              </a:rPr>
+              <a:t>blueTx</a:t>
+            </a:r>
+            <a:r>
+              <a:rPr lang="en-US" altLang="ko-KR" dirty="0">
+                <a:solidFill>
+                  <a:schemeClr val="bg1"/>
+                </a:solidFill>
+                <a:latin typeface="배달의민족 주아" panose="02020603020101020101" pitchFamily="18" charset="-127"/>
+                <a:ea typeface="배달의민족 주아" panose="02020603020101020101" pitchFamily="18" charset="-127"/>
+              </a:rPr>
+              <a:t>=2;</a:t>
+            </a:r>
+          </a:p>
+          <a:p>
+            <a:r>
+              <a:rPr lang="en-US" altLang="ko-KR" dirty="0" err="1">
+                <a:solidFill>
+                  <a:schemeClr val="bg1"/>
+                </a:solidFill>
+                <a:latin typeface="배달의민족 주아" panose="02020603020101020101" pitchFamily="18" charset="-127"/>
+                <a:ea typeface="배달의민족 주아" panose="02020603020101020101" pitchFamily="18" charset="-127"/>
+              </a:rPr>
+              <a:t>int</a:t>
+            </a:r>
+            <a:r>
+              <a:rPr lang="en-US" altLang="ko-KR" dirty="0">
+                <a:solidFill>
+                  <a:schemeClr val="bg1"/>
+                </a:solidFill>
+                <a:latin typeface="배달의민족 주아" panose="02020603020101020101" pitchFamily="18" charset="-127"/>
+                <a:ea typeface="배달의민족 주아" panose="02020603020101020101" pitchFamily="18" charset="-127"/>
+              </a:rPr>
+              <a:t> </a:t>
+            </a:r>
+            <a:r>
+              <a:rPr lang="en-US" altLang="ko-KR" dirty="0" err="1">
+                <a:solidFill>
+                  <a:schemeClr val="bg1"/>
+                </a:solidFill>
+                <a:latin typeface="배달의민족 주아" panose="02020603020101020101" pitchFamily="18" charset="-127"/>
+                <a:ea typeface="배달의민족 주아" panose="02020603020101020101" pitchFamily="18" charset="-127"/>
+              </a:rPr>
+              <a:t>blueRx</a:t>
+            </a:r>
+            <a:r>
+              <a:rPr lang="en-US" altLang="ko-KR" dirty="0">
+                <a:solidFill>
+                  <a:schemeClr val="bg1"/>
+                </a:solidFill>
+                <a:latin typeface="배달의민족 주아" panose="02020603020101020101" pitchFamily="18" charset="-127"/>
+                <a:ea typeface="배달의민족 주아" panose="02020603020101020101" pitchFamily="18" charset="-127"/>
+              </a:rPr>
+              <a:t>=3;</a:t>
+            </a:r>
+          </a:p>
+          <a:p>
+            <a:r>
+              <a:rPr lang="en-US" altLang="ko-KR" dirty="0" err="1">
+                <a:solidFill>
+                  <a:schemeClr val="bg1"/>
+                </a:solidFill>
+                <a:latin typeface="배달의민족 주아" panose="02020603020101020101" pitchFamily="18" charset="-127"/>
+                <a:ea typeface="배달의민족 주아" panose="02020603020101020101" pitchFamily="18" charset="-127"/>
+              </a:rPr>
+              <a:t>SoftwareSerial</a:t>
+            </a:r>
+            <a:r>
+              <a:rPr lang="en-US" altLang="ko-KR" dirty="0">
+                <a:solidFill>
+                  <a:schemeClr val="bg1"/>
+                </a:solidFill>
+                <a:latin typeface="배달의민족 주아" panose="02020603020101020101" pitchFamily="18" charset="-127"/>
+                <a:ea typeface="배달의민족 주아" panose="02020603020101020101" pitchFamily="18" charset="-127"/>
+              </a:rPr>
+              <a:t> </a:t>
+            </a:r>
+            <a:r>
+              <a:rPr lang="en-US" altLang="ko-KR" dirty="0" err="1">
+                <a:solidFill>
+                  <a:schemeClr val="bg1"/>
+                </a:solidFill>
+                <a:latin typeface="배달의민족 주아" panose="02020603020101020101" pitchFamily="18" charset="-127"/>
+                <a:ea typeface="배달의민족 주아" panose="02020603020101020101" pitchFamily="18" charset="-127"/>
+              </a:rPr>
+              <a:t>mySerial</a:t>
+            </a:r>
+            <a:r>
+              <a:rPr lang="en-US" altLang="ko-KR" dirty="0">
+                <a:solidFill>
+                  <a:schemeClr val="bg1"/>
+                </a:solidFill>
+                <a:latin typeface="배달의민족 주아" panose="02020603020101020101" pitchFamily="18" charset="-127"/>
+                <a:ea typeface="배달의민족 주아" panose="02020603020101020101" pitchFamily="18" charset="-127"/>
+              </a:rPr>
+              <a:t>(</a:t>
+            </a:r>
+            <a:r>
+              <a:rPr lang="en-US" altLang="ko-KR" dirty="0" err="1">
+                <a:solidFill>
+                  <a:schemeClr val="bg1"/>
+                </a:solidFill>
+                <a:latin typeface="배달의민족 주아" panose="02020603020101020101" pitchFamily="18" charset="-127"/>
+                <a:ea typeface="배달의민족 주아" panose="02020603020101020101" pitchFamily="18" charset="-127"/>
+              </a:rPr>
+              <a:t>blueTx</a:t>
+            </a:r>
+            <a:r>
+              <a:rPr lang="en-US" altLang="ko-KR" dirty="0">
+                <a:solidFill>
+                  <a:schemeClr val="bg1"/>
+                </a:solidFill>
+                <a:latin typeface="배달의민족 주아" panose="02020603020101020101" pitchFamily="18" charset="-127"/>
+                <a:ea typeface="배달의민족 주아" panose="02020603020101020101" pitchFamily="18" charset="-127"/>
+              </a:rPr>
+              <a:t>, </a:t>
+            </a:r>
+            <a:r>
+              <a:rPr lang="en-US" altLang="ko-KR" dirty="0" err="1">
+                <a:solidFill>
+                  <a:schemeClr val="bg1"/>
+                </a:solidFill>
+                <a:latin typeface="배달의민족 주아" panose="02020603020101020101" pitchFamily="18" charset="-127"/>
+                <a:ea typeface="배달의민족 주아" panose="02020603020101020101" pitchFamily="18" charset="-127"/>
+              </a:rPr>
+              <a:t>blueRx</a:t>
+            </a:r>
+            <a:r>
+              <a:rPr lang="en-US" altLang="ko-KR" dirty="0">
+                <a:solidFill>
+                  <a:schemeClr val="bg1"/>
+                </a:solidFill>
+                <a:latin typeface="배달의민족 주아" panose="02020603020101020101" pitchFamily="18" charset="-127"/>
+                <a:ea typeface="배달의민족 주아" panose="02020603020101020101" pitchFamily="18" charset="-127"/>
+              </a:rPr>
+              <a:t>);  // </a:t>
+            </a:r>
             <a:r>
               <a:rPr lang="ko-KR" altLang="en-US" dirty="0">
                 <a:solidFill>
@@ -18515,10 +18764,58 @@
                 <a:latin typeface="배달의민족 주아" panose="02020603020101020101" pitchFamily="18" charset="-127"/>
                 <a:ea typeface="배달의민족 주아" panose="02020603020101020101" pitchFamily="18" charset="-127"/>
               </a:rPr>
-              <a:t> </a:t>
-            </a:r>
-          </a:p>
-          <a:p>
+              <a:t>시리얼 통신을 위한 </a:t>
+            </a:r>
+            <a:r>
+              <a:rPr lang="ko-KR" altLang="en-US" dirty="0" err="1" smtClean="0">
+                <a:solidFill>
+                  <a:schemeClr val="bg1"/>
+                </a:solidFill>
+                <a:latin typeface="배달의민족 주아" panose="02020603020101020101" pitchFamily="18" charset="-127"/>
+                <a:ea typeface="배달의민족 주아" panose="02020603020101020101" pitchFamily="18" charset="-127"/>
+              </a:rPr>
+              <a:t>객체선언</a:t>
+            </a:r>
+            <a:endParaRPr lang="en-US" altLang="ko-KR" dirty="0" smtClean="0">
+              <a:solidFill>
+                <a:schemeClr val="bg1"/>
+              </a:solidFill>
+              <a:latin typeface="배달의민족 주아" panose="02020603020101020101" pitchFamily="18" charset="-127"/>
+              <a:ea typeface="배달의민족 주아" panose="02020603020101020101" pitchFamily="18" charset="-127"/>
+            </a:endParaRPr>
+          </a:p>
+          <a:p>
+            <a:endParaRPr lang="ko-KR" altLang="en-US" dirty="0">
+              <a:solidFill>
+                <a:schemeClr val="bg1"/>
+              </a:solidFill>
+              <a:latin typeface="배달의민족 주아" panose="02020603020101020101" pitchFamily="18" charset="-127"/>
+              <a:ea typeface="배달의민족 주아" panose="02020603020101020101" pitchFamily="18" charset="-127"/>
+            </a:endParaRPr>
+          </a:p>
+          <a:p>
+            <a:r>
+              <a:rPr lang="en-US" altLang="ko-KR" dirty="0">
+                <a:solidFill>
+                  <a:schemeClr val="bg1"/>
+                </a:solidFill>
+                <a:latin typeface="배달의민족 주아" panose="02020603020101020101" pitchFamily="18" charset="-127"/>
+                <a:ea typeface="배달의민족 주아" panose="02020603020101020101" pitchFamily="18" charset="-127"/>
+              </a:rPr>
+              <a:t>void setup() {</a:t>
+            </a:r>
+          </a:p>
+          <a:p>
+            <a:r>
+              <a:rPr lang="en-US" altLang="ko-KR" dirty="0">
+                <a:solidFill>
+                  <a:schemeClr val="bg1"/>
+                </a:solidFill>
+                <a:latin typeface="배달의민족 주아" panose="02020603020101020101" pitchFamily="18" charset="-127"/>
+                <a:ea typeface="배달의민족 주아" panose="02020603020101020101" pitchFamily="18" charset="-127"/>
+              </a:rPr>
+              <a:t>  </a:t>
+            </a:r>
             <a:r>
               <a:rPr lang="en-US" altLang="ko-KR" dirty="0" err="1">
                 <a:solidFill>
@@ -18527,7 +18824,7 @@
                 <a:latin typeface="배달의민족 주아" panose="02020603020101020101" pitchFamily="18" charset="-127"/>
                 <a:ea typeface="배달의민족 주아" panose="02020603020101020101" pitchFamily="18" charset="-127"/>
               </a:rPr>
-              <a:t>int</a:t>
+              <a:t>pinMode</a:t>
             </a:r>
             <a:r>
               <a:rPr lang="en-US" altLang="ko-KR" dirty="0">
@@ -18537,7 +18834,19 @@
                 <a:latin typeface="배달의민족 주아" panose="02020603020101020101" pitchFamily="18" charset="-127"/>
                 <a:ea typeface="배달의민족 주아" panose="02020603020101020101" pitchFamily="18" charset="-127"/>
               </a:rPr>
-              <a:t> </a:t>
+              <a:t>(8, OUTPUT);    </a:t>
+            </a:r>
+          </a:p>
+          <a:p>
+            <a:r>
+              <a:rPr lang="en-US" altLang="ko-KR" dirty="0">
+                <a:solidFill>
+                  <a:schemeClr val="bg1"/>
+                </a:solidFill>
+                <a:latin typeface="배달의민족 주아" panose="02020603020101020101" pitchFamily="18" charset="-127"/>
+                <a:ea typeface="배달의민족 주아" panose="02020603020101020101" pitchFamily="18" charset="-127"/>
+              </a:rPr>
+              <a:t>  </a:t>
             </a:r>
             <a:r>
               <a:rPr lang="en-US" altLang="ko-KR" dirty="0" err="1">
@@ -18547,7 +18856,7 @@
                 <a:latin typeface="배달의민족 주아" panose="02020603020101020101" pitchFamily="18" charset="-127"/>
                 <a:ea typeface="배달의민족 주아" panose="02020603020101020101" pitchFamily="18" charset="-127"/>
               </a:rPr>
-              <a:t>blueTx</a:t>
+              <a:t>digitalWrite</a:t>
             </a:r>
             <a:r>
               <a:rPr lang="en-US" altLang="ko-KR" dirty="0">
@@ -18557,10 +18866,37 @@
                 <a:latin typeface="배달의민족 주아" panose="02020603020101020101" pitchFamily="18" charset="-127"/>
                 <a:ea typeface="배달의민족 주아" panose="02020603020101020101" pitchFamily="18" charset="-127"/>
               </a:rPr>
-              <a:t>=2;   //Rx HC-06 -&gt; Arduino</a:t>
-            </a:r>
-          </a:p>
-          <a:p>
+              <a:t>(8,HIGH</a:t>
+            </a:r>
+            <a:r>
+              <a:rPr lang="en-US" altLang="ko-KR" dirty="0" smtClean="0">
+                <a:solidFill>
+                  <a:schemeClr val="bg1"/>
+                </a:solidFill>
+                <a:latin typeface="배달의민족 주아" panose="02020603020101020101" pitchFamily="18" charset="-127"/>
+                <a:ea typeface="배달의민족 주아" panose="02020603020101020101" pitchFamily="18" charset="-127"/>
+              </a:rPr>
+              <a:t>);</a:t>
+            </a:r>
+            <a:endParaRPr lang="en-US" altLang="ko-KR" dirty="0">
+              <a:solidFill>
+                <a:schemeClr val="bg1"/>
+              </a:solidFill>
+              <a:latin typeface="배달의민족 주아" panose="02020603020101020101" pitchFamily="18" charset="-127"/>
+              <a:ea typeface="배달의민족 주아" panose="02020603020101020101" pitchFamily="18" charset="-127"/>
+            </a:endParaRPr>
+          </a:p>
+          <a:p>
+            <a:r>
+              <a:rPr lang="en-US" altLang="ko-KR" dirty="0">
+                <a:solidFill>
+                  <a:schemeClr val="bg1"/>
+                </a:solidFill>
+                <a:latin typeface="배달의민족 주아" panose="02020603020101020101" pitchFamily="18" charset="-127"/>
+                <a:ea typeface="배달의민족 주아" panose="02020603020101020101" pitchFamily="18" charset="-127"/>
+              </a:rPr>
+              <a:t>  </a:t>
+            </a:r>
             <a:r>
               <a:rPr lang="en-US" altLang="ko-KR" dirty="0" err="1">
                 <a:solidFill>
@@ -18569,7 +18905,7 @@
                 <a:latin typeface="배달의민족 주아" panose="02020603020101020101" pitchFamily="18" charset="-127"/>
                 <a:ea typeface="배달의민족 주아" panose="02020603020101020101" pitchFamily="18" charset="-127"/>
               </a:rPr>
-              <a:t>int</a:t>
+              <a:t>Serial.begin</a:t>
             </a:r>
             <a:r>
               <a:rPr lang="en-US" altLang="ko-KR" dirty="0">
@@ -18579,7 +18915,19 @@
                 <a:latin typeface="배달의민족 주아" panose="02020603020101020101" pitchFamily="18" charset="-127"/>
                 <a:ea typeface="배달의민족 주아" panose="02020603020101020101" pitchFamily="18" charset="-127"/>
               </a:rPr>
-              <a:t> </a:t>
+              <a:t>(9600);</a:t>
+            </a:r>
+          </a:p>
+          <a:p>
+            <a:r>
+              <a:rPr lang="en-US" altLang="ko-KR" dirty="0">
+                <a:solidFill>
+                  <a:schemeClr val="bg1"/>
+                </a:solidFill>
+                <a:latin typeface="배달의민족 주아" panose="02020603020101020101" pitchFamily="18" charset="-127"/>
+                <a:ea typeface="배달의민족 주아" panose="02020603020101020101" pitchFamily="18" charset="-127"/>
+              </a:rPr>
+              <a:t>  </a:t>
             </a:r>
             <a:r>
               <a:rPr lang="en-US" altLang="ko-KR" dirty="0" err="1">
@@ -18589,7 +18937,7 @@
                 <a:latin typeface="배달의민족 주아" panose="02020603020101020101" pitchFamily="18" charset="-127"/>
                 <a:ea typeface="배달의민족 주아" panose="02020603020101020101" pitchFamily="18" charset="-127"/>
               </a:rPr>
-              <a:t>blueRx</a:t>
+              <a:t>mySerial.begin</a:t>
             </a:r>
             <a:r>
               <a:rPr lang="en-US" altLang="ko-KR" dirty="0">
@@ -18599,7 +18947,19 @@
                 <a:latin typeface="배달의민족 주아" panose="02020603020101020101" pitchFamily="18" charset="-127"/>
                 <a:ea typeface="배달의민족 주아" panose="02020603020101020101" pitchFamily="18" charset="-127"/>
               </a:rPr>
-              <a:t>=3;   //</a:t>
+              <a:t>(38400);</a:t>
+            </a:r>
+          </a:p>
+          <a:p>
+            <a:r>
+              <a:rPr lang="en-US" altLang="ko-KR" dirty="0">
+                <a:solidFill>
+                  <a:schemeClr val="bg1"/>
+                </a:solidFill>
+                <a:latin typeface="배달의민족 주아" panose="02020603020101020101" pitchFamily="18" charset="-127"/>
+                <a:ea typeface="배달의민족 주아" panose="02020603020101020101" pitchFamily="18" charset="-127"/>
+              </a:rPr>
+              <a:t>  </a:t>
             </a:r>
             <a:r>
               <a:rPr lang="en-US" altLang="ko-KR" dirty="0" err="1">
@@ -18609,7 +18969,7 @@
                 <a:latin typeface="배달의민족 주아" panose="02020603020101020101" pitchFamily="18" charset="-127"/>
                 <a:ea typeface="배달의민족 주아" panose="02020603020101020101" pitchFamily="18" charset="-127"/>
               </a:rPr>
-              <a:t>Tx</a:t>
+              <a:t>Serial.println</a:t>
             </a:r>
             <a:r>
               <a:rPr lang="en-US" altLang="ko-KR" dirty="0">
@@ -18619,10 +18979,8 @@
                 <a:latin typeface="배달의민족 주아" panose="02020603020101020101" pitchFamily="18" charset="-127"/>
                 <a:ea typeface="배달의민족 주아" panose="02020603020101020101" pitchFamily="18" charset="-127"/>
               </a:rPr>
-              <a:t> Arduino -&gt; HC-06</a:t>
-            </a:r>
-          </a:p>
-          <a:p>
+              <a:t>("</a:t>
+            </a:r>
             <a:r>
               <a:rPr lang="en-US" altLang="ko-KR" dirty="0" err="1">
                 <a:solidFill>
@@ -18631,7 +18989,7 @@
                 <a:latin typeface="배달의민족 주아" panose="02020603020101020101" pitchFamily="18" charset="-127"/>
                 <a:ea typeface="배달의민족 주아" panose="02020603020101020101" pitchFamily="18" charset="-127"/>
               </a:rPr>
-              <a:t>SoftwareSerial</a:t>
+              <a:t>ATcommand</a:t>
             </a:r>
             <a:r>
               <a:rPr lang="en-US" altLang="ko-KR" dirty="0">
@@ -18641,7 +18999,60 @@
                 <a:latin typeface="배달의민족 주아" panose="02020603020101020101" pitchFamily="18" charset="-127"/>
                 <a:ea typeface="배달의민족 주아" panose="02020603020101020101" pitchFamily="18" charset="-127"/>
               </a:rPr>
-              <a:t> </a:t>
+              <a:t>");  //AT</a:t>
+            </a:r>
+            <a:r>
+              <a:rPr lang="ko-KR" altLang="en-US" dirty="0">
+                <a:solidFill>
+                  <a:schemeClr val="bg1"/>
+                </a:solidFill>
+                <a:latin typeface="배달의민족 주아" panose="02020603020101020101" pitchFamily="18" charset="-127"/>
+                <a:ea typeface="배달의민족 주아" panose="02020603020101020101" pitchFamily="18" charset="-127"/>
+              </a:rPr>
+              <a:t>모드 시작</a:t>
+            </a:r>
+          </a:p>
+          <a:p>
+            <a:r>
+              <a:rPr lang="en-US" altLang="ko-KR" dirty="0" smtClean="0">
+                <a:solidFill>
+                  <a:schemeClr val="bg1"/>
+                </a:solidFill>
+                <a:latin typeface="배달의민족 주아" panose="02020603020101020101" pitchFamily="18" charset="-127"/>
+                <a:ea typeface="배달의민족 주아" panose="02020603020101020101" pitchFamily="18" charset="-127"/>
+              </a:rPr>
+              <a:t>}</a:t>
+            </a:r>
+            <a:endParaRPr lang="en-US" altLang="ko-KR" dirty="0">
+              <a:solidFill>
+                <a:schemeClr val="bg1"/>
+              </a:solidFill>
+              <a:latin typeface="배달의민족 주아" panose="02020603020101020101" pitchFamily="18" charset="-127"/>
+              <a:ea typeface="배달의민족 주아" panose="02020603020101020101" pitchFamily="18" charset="-127"/>
+            </a:endParaRPr>
+          </a:p>
+          <a:p>
+            <a:r>
+              <a:rPr lang="en-US" altLang="ko-KR" dirty="0">
+                <a:solidFill>
+                  <a:schemeClr val="bg1"/>
+                </a:solidFill>
+                <a:latin typeface="배달의민족 주아" panose="02020603020101020101" pitchFamily="18" charset="-127"/>
+                <a:ea typeface="배달의민족 주아" panose="02020603020101020101" pitchFamily="18" charset="-127"/>
+              </a:rPr>
+              <a:t>void loop() {</a:t>
+            </a:r>
+          </a:p>
+          <a:p>
+            <a:r>
+              <a:rPr lang="en-US" altLang="ko-KR" dirty="0">
+                <a:solidFill>
+                  <a:schemeClr val="bg1"/>
+                </a:solidFill>
+                <a:latin typeface="배달의민족 주아" panose="02020603020101020101" pitchFamily="18" charset="-127"/>
+                <a:ea typeface="배달의민족 주아" panose="02020603020101020101" pitchFamily="18" charset="-127"/>
+              </a:rPr>
+              <a:t>  if (</a:t>
             </a:r>
             <a:r>
               <a:rPr lang="en-US" altLang="ko-KR" dirty="0" err="1">
@@ -18651,7 +19062,7 @@
                 <a:latin typeface="배달의민족 주아" panose="02020603020101020101" pitchFamily="18" charset="-127"/>
                 <a:ea typeface="배달의민족 주아" panose="02020603020101020101" pitchFamily="18" charset="-127"/>
               </a:rPr>
-              <a:t>mySerial</a:t>
+              <a:t>mySerial.available</a:t>
             </a:r>
             <a:r>
               <a:rPr lang="en-US" altLang="ko-KR" dirty="0">
@@ -18661,6 +19072,38 @@
                 <a:latin typeface="배달의민족 주아" panose="02020603020101020101" pitchFamily="18" charset="-127"/>
                 <a:ea typeface="배달의민족 주아" panose="02020603020101020101" pitchFamily="18" charset="-127"/>
               </a:rPr>
+              <a:t>()){</a:t>
+            </a:r>
+          </a:p>
+          <a:p>
+            <a:r>
+              <a:rPr lang="en-US" altLang="ko-KR" dirty="0">
+                <a:solidFill>
+                  <a:schemeClr val="bg1"/>
+                </a:solidFill>
+                <a:latin typeface="배달의민족 주아" panose="02020603020101020101" pitchFamily="18" charset="-127"/>
+                <a:ea typeface="배달의민족 주아" panose="02020603020101020101" pitchFamily="18" charset="-127"/>
+              </a:rPr>
+              <a:t>    </a:t>
+            </a:r>
+            <a:r>
+              <a:rPr lang="en-US" altLang="ko-KR" dirty="0" err="1">
+                <a:solidFill>
+                  <a:schemeClr val="bg1"/>
+                </a:solidFill>
+                <a:latin typeface="배달의민족 주아" panose="02020603020101020101" pitchFamily="18" charset="-127"/>
+                <a:ea typeface="배달의민족 주아" panose="02020603020101020101" pitchFamily="18" charset="-127"/>
+              </a:rPr>
+              <a:t>Serial.write</a:t>
+            </a:r>
+            <a:r>
+              <a:rPr lang="en-US" altLang="ko-KR" dirty="0">
+                <a:solidFill>
+                  <a:schemeClr val="bg1"/>
+                </a:solidFill>
+                <a:latin typeface="배달의민족 주아" panose="02020603020101020101" pitchFamily="18" charset="-127"/>
+                <a:ea typeface="배달의민족 주아" panose="02020603020101020101" pitchFamily="18" charset="-127"/>
+              </a:rPr>
               <a:t>(</a:t>
             </a:r>
             <a:r>
@@ -18671,7 +19114,7 @@
                 <a:latin typeface="배달의민족 주아" panose="02020603020101020101" pitchFamily="18" charset="-127"/>
                 <a:ea typeface="배달의민족 주아" panose="02020603020101020101" pitchFamily="18" charset="-127"/>
               </a:rPr>
-              <a:t>blueTx</a:t>
+              <a:t>mySerial.read</a:t>
             </a:r>
             <a:r>
               <a:rPr lang="en-US" altLang="ko-KR" dirty="0">
@@ -18681,7 +19124,31 @@
                 <a:latin typeface="배달의민족 주아" panose="02020603020101020101" pitchFamily="18" charset="-127"/>
                 <a:ea typeface="배달의민족 주아" panose="02020603020101020101" pitchFamily="18" charset="-127"/>
               </a:rPr>
-              <a:t>, </a:t>
+              <a:t>());</a:t>
+            </a:r>
+          </a:p>
+          <a:p>
+            <a:r>
+              <a:rPr lang="en-US" altLang="ko-KR" dirty="0">
+                <a:solidFill>
+                  <a:schemeClr val="bg1"/>
+                </a:solidFill>
+                <a:latin typeface="배달의민족 주아" panose="02020603020101020101" pitchFamily="18" charset="-127"/>
+                <a:ea typeface="배달의민족 주아" panose="02020603020101020101" pitchFamily="18" charset="-127"/>
+              </a:rPr>
+              <a:t>  }</a:t>
+            </a:r>
+          </a:p>
+          <a:p>
+            <a:r>
+              <a:rPr lang="en-US" altLang="ko-KR" dirty="0">
+                <a:solidFill>
+                  <a:schemeClr val="bg1"/>
+                </a:solidFill>
+                <a:latin typeface="배달의민족 주아" panose="02020603020101020101" pitchFamily="18" charset="-127"/>
+                <a:ea typeface="배달의민족 주아" panose="02020603020101020101" pitchFamily="18" charset="-127"/>
+              </a:rPr>
+              <a:t>  if (</a:t>
             </a:r>
             <a:r>
               <a:rPr lang="en-US" altLang="ko-KR" dirty="0" err="1">
@@ -18691,7 +19158,7 @@
                 <a:latin typeface="배달의민족 주아" panose="02020603020101020101" pitchFamily="18" charset="-127"/>
                 <a:ea typeface="배달의민족 주아" panose="02020603020101020101" pitchFamily="18" charset="-127"/>
               </a:rPr>
-              <a:t>blueRx</a:t>
+              <a:t>Serial.available</a:t>
             </a:r>
             <a:r>
               <a:rPr lang="en-US" altLang="ko-KR" dirty="0">
@@ -18701,29 +19168,7 @@
                 <a:latin typeface="배달의민족 주아" panose="02020603020101020101" pitchFamily="18" charset="-127"/>
                 <a:ea typeface="배달의민족 주아" panose="02020603020101020101" pitchFamily="18" charset="-127"/>
               </a:rPr>
-              <a:t>);  //</a:t>
-            </a:r>
-            <a:r>
-              <a:rPr lang="ko-KR" altLang="en-US" dirty="0">
-                <a:solidFill>
-                  <a:schemeClr val="bg1"/>
-                </a:solidFill>
-                <a:latin typeface="배달의민족 주아" panose="02020603020101020101" pitchFamily="18" charset="-127"/>
-                <a:ea typeface="배달의민족 주아" panose="02020603020101020101" pitchFamily="18" charset="-127"/>
-              </a:rPr>
-              <a:t>시리얼 통신을 위한 객체선언</a:t>
-            </a:r>
-          </a:p>
-          <a:p>
-            <a:r>
-              <a:rPr lang="ko-KR" altLang="en-US" dirty="0">
-                <a:solidFill>
-                  <a:schemeClr val="bg1"/>
-                </a:solidFill>
-                <a:latin typeface="배달의민족 주아" panose="02020603020101020101" pitchFamily="18" charset="-127"/>
-                <a:ea typeface="배달의민족 주아" panose="02020603020101020101" pitchFamily="18" charset="-127"/>
-              </a:rPr>
-              <a:t> </a:t>
+              <a:t>()){</a:t>
             </a:r>
           </a:p>
           <a:p>
@@ -18735,10 +19180,18 @@
                 <a:latin typeface="배달의민족 주아" panose="02020603020101020101" pitchFamily="18" charset="-127"/>
                 <a:ea typeface="배달의민족 주아" panose="02020603020101020101" pitchFamily="18" charset="-127"/>
               </a:rPr>
-              <a:t>void setup() </a:t>
-            </a:r>
-          </a:p>
-          <a:p>
+              <a:t>    </a:t>
+            </a:r>
+            <a:r>
+              <a:rPr lang="en-US" altLang="ko-KR" dirty="0" err="1">
+                <a:solidFill>
+                  <a:schemeClr val="bg1"/>
+                </a:solidFill>
+                <a:latin typeface="배달의민족 주아" panose="02020603020101020101" pitchFamily="18" charset="-127"/>
+                <a:ea typeface="배달의민족 주아" panose="02020603020101020101" pitchFamily="18" charset="-127"/>
+              </a:rPr>
+              <a:t>mySerial.write</a:t>
+            </a:r>
             <a:r>
               <a:rPr lang="en-US" altLang="ko-KR" dirty="0">
                 <a:solidFill>
@@ -18747,10 +19200,18 @@
                 <a:latin typeface="배달의민족 주아" panose="02020603020101020101" pitchFamily="18" charset="-127"/>
                 <a:ea typeface="배달의민족 주아" panose="02020603020101020101" pitchFamily="18" charset="-127"/>
               </a:rPr>
-              <a:t>{</a:t>
-            </a:r>
-          </a:p>
-          <a:p>
+              <a:t>(</a:t>
+            </a:r>
+            <a:r>
+              <a:rPr lang="en-US" altLang="ko-KR" dirty="0" err="1">
+                <a:solidFill>
+                  <a:schemeClr val="bg1"/>
+                </a:solidFill>
+                <a:latin typeface="배달의민족 주아" panose="02020603020101020101" pitchFamily="18" charset="-127"/>
+                <a:ea typeface="배달의민족 주아" panose="02020603020101020101" pitchFamily="18" charset="-127"/>
+              </a:rPr>
+              <a:t>Serial.read</a:t>
+            </a:r>
             <a:r>
               <a:rPr lang="en-US" altLang="ko-KR" dirty="0">
                 <a:solidFill>
@@ -18759,18 +19220,10 @@
                 <a:latin typeface="배달의민족 주아" panose="02020603020101020101" pitchFamily="18" charset="-127"/>
                 <a:ea typeface="배달의민족 주아" panose="02020603020101020101" pitchFamily="18" charset="-127"/>
               </a:rPr>
-              <a:t>  </a:t>
-            </a:r>
-            <a:r>
-              <a:rPr lang="en-US" altLang="ko-KR" dirty="0" err="1">
-                <a:solidFill>
-                  <a:schemeClr val="bg1"/>
-                </a:solidFill>
-                <a:latin typeface="배달의민족 주아" panose="02020603020101020101" pitchFamily="18" charset="-127"/>
-                <a:ea typeface="배달의민족 주아" panose="02020603020101020101" pitchFamily="18" charset="-127"/>
-              </a:rPr>
-              <a:t>Serial.begin</a:t>
-            </a:r>
+              <a:t>());</a:t>
+            </a:r>
+          </a:p>
+          <a:p>
             <a:r>
               <a:rPr lang="en-US" altLang="ko-KR" dirty="0">
                 <a:solidFill>
@@ -18779,40 +19232,10 @@
                 <a:latin typeface="배달의민족 주아" panose="02020603020101020101" pitchFamily="18" charset="-127"/>
                 <a:ea typeface="배달의민족 주아" panose="02020603020101020101" pitchFamily="18" charset="-127"/>
               </a:rPr>
-              <a:t>(9600);   //</a:t>
-            </a:r>
-            <a:r>
-              <a:rPr lang="ko-KR" altLang="en-US" dirty="0">
-                <a:solidFill>
-                  <a:schemeClr val="bg1"/>
-                </a:solidFill>
-                <a:latin typeface="배달의민족 주아" panose="02020603020101020101" pitchFamily="18" charset="-127"/>
-                <a:ea typeface="배달의민족 주아" panose="02020603020101020101" pitchFamily="18" charset="-127"/>
-              </a:rPr>
-              <a:t>시리얼모니터</a:t>
-            </a:r>
-          </a:p>
-          <a:p>
-            <a:r>
-              <a:rPr lang="ko-KR" altLang="en-US" dirty="0">
-                <a:solidFill>
-                  <a:schemeClr val="bg1"/>
-                </a:solidFill>
-                <a:latin typeface="배달의민족 주아" panose="02020603020101020101" pitchFamily="18" charset="-127"/>
-                <a:ea typeface="배달의민족 주아" panose="02020603020101020101" pitchFamily="18" charset="-127"/>
-              </a:rPr>
-              <a:t>  </a:t>
-            </a:r>
-            <a:r>
-              <a:rPr lang="en-US" altLang="ko-KR" dirty="0" err="1">
-                <a:solidFill>
-                  <a:schemeClr val="bg1"/>
-                </a:solidFill>
-                <a:latin typeface="배달의민족 주아" panose="02020603020101020101" pitchFamily="18" charset="-127"/>
-                <a:ea typeface="배달의민족 주아" panose="02020603020101020101" pitchFamily="18" charset="-127"/>
-              </a:rPr>
-              <a:t>mySerial.begin</a:t>
-            </a:r>
+              <a:t>  }</a:t>
+            </a:r>
+          </a:p>
+          <a:p>
             <a:r>
               <a:rPr lang="en-US" altLang="ko-KR" dirty="0">
                 <a:solidFill>
@@ -18821,318 +19244,15 @@
                 <a:latin typeface="배달의민족 주아" panose="02020603020101020101" pitchFamily="18" charset="-127"/>
                 <a:ea typeface="배달의민족 주아" panose="02020603020101020101" pitchFamily="18" charset="-127"/>
               </a:rPr>
-              <a:t>(38400); //</a:t>
-            </a:r>
-            <a:r>
-              <a:rPr lang="ko-KR" altLang="en-US" dirty="0">
-                <a:solidFill>
-                  <a:schemeClr val="bg1"/>
-                </a:solidFill>
-                <a:latin typeface="배달의민족 주아" panose="02020603020101020101" pitchFamily="18" charset="-127"/>
-                <a:ea typeface="배달의민족 주아" panose="02020603020101020101" pitchFamily="18" charset="-127"/>
-              </a:rPr>
-              <a:t>블루투스 시리얼</a:t>
-            </a:r>
-          </a:p>
-          <a:p>
-            <a:r>
-              <a:rPr lang="en-US" altLang="ko-KR" dirty="0">
-                <a:solidFill>
-                  <a:schemeClr val="bg1"/>
-                </a:solidFill>
-                <a:latin typeface="배달의민족 주아" panose="02020603020101020101" pitchFamily="18" charset="-127"/>
-                <a:ea typeface="배달의민족 주아" panose="02020603020101020101" pitchFamily="18" charset="-127"/>
-              </a:rPr>
               <a:t>}</a:t>
             </a:r>
-          </a:p>
-          <a:p>
-            <a:r>
-              <a:rPr lang="en-US" altLang="ko-KR" dirty="0">
-                <a:solidFill>
-                  <a:schemeClr val="bg1"/>
-                </a:solidFill>
-                <a:latin typeface="배달의민족 주아" panose="02020603020101020101" pitchFamily="18" charset="-127"/>
-                <a:ea typeface="배달의민족 주아" panose="02020603020101020101" pitchFamily="18" charset="-127"/>
-              </a:rPr>
-              <a:t>void loop()</a:t>
-            </a:r>
-          </a:p>
-          <a:p>
-            <a:r>
-              <a:rPr lang="en-US" altLang="ko-KR" dirty="0">
-                <a:solidFill>
-                  <a:schemeClr val="bg1"/>
-                </a:solidFill>
-                <a:latin typeface="배달의민족 주아" panose="02020603020101020101" pitchFamily="18" charset="-127"/>
-                <a:ea typeface="배달의민족 주아" panose="02020603020101020101" pitchFamily="18" charset="-127"/>
-              </a:rPr>
-              <a:t>{</a:t>
-            </a:r>
-          </a:p>
-          <a:p>
-            <a:r>
-              <a:rPr lang="en-US" altLang="ko-KR" dirty="0">
-                <a:solidFill>
-                  <a:schemeClr val="bg1"/>
-                </a:solidFill>
-                <a:latin typeface="배달의민족 주아" panose="02020603020101020101" pitchFamily="18" charset="-127"/>
-                <a:ea typeface="배달의민족 주아" panose="02020603020101020101" pitchFamily="18" charset="-127"/>
-              </a:rPr>
-              <a:t>  if (</a:t>
-            </a:r>
-            <a:r>
-              <a:rPr lang="en-US" altLang="ko-KR" dirty="0" err="1">
-                <a:solidFill>
-                  <a:schemeClr val="bg1"/>
-                </a:solidFill>
-                <a:latin typeface="배달의민족 주아" panose="02020603020101020101" pitchFamily="18" charset="-127"/>
-                <a:ea typeface="배달의민족 주아" panose="02020603020101020101" pitchFamily="18" charset="-127"/>
-              </a:rPr>
-              <a:t>mySerial.available</a:t>
-            </a:r>
-            <a:r>
-              <a:rPr lang="en-US" altLang="ko-KR" dirty="0">
-                <a:solidFill>
-                  <a:schemeClr val="bg1"/>
-                </a:solidFill>
-                <a:latin typeface="배달의민족 주아" panose="02020603020101020101" pitchFamily="18" charset="-127"/>
-                <a:ea typeface="배달의민족 주아" panose="02020603020101020101" pitchFamily="18" charset="-127"/>
-              </a:rPr>
-              <a:t>()) {       </a:t>
-            </a:r>
-          </a:p>
-          <a:p>
-            <a:r>
-              <a:rPr lang="en-US" altLang="ko-KR" dirty="0">
-                <a:solidFill>
-                  <a:schemeClr val="bg1"/>
-                </a:solidFill>
-                <a:latin typeface="배달의민족 주아" panose="02020603020101020101" pitchFamily="18" charset="-127"/>
-                <a:ea typeface="배달의민족 주아" panose="02020603020101020101" pitchFamily="18" charset="-127"/>
-              </a:rPr>
-              <a:t>    </a:t>
-            </a:r>
-            <a:r>
-              <a:rPr lang="en-US" altLang="ko-KR" dirty="0" err="1">
-                <a:solidFill>
-                  <a:schemeClr val="bg1"/>
-                </a:solidFill>
-                <a:latin typeface="배달의민족 주아" panose="02020603020101020101" pitchFamily="18" charset="-127"/>
-                <a:ea typeface="배달의민족 주아" panose="02020603020101020101" pitchFamily="18" charset="-127"/>
-              </a:rPr>
-              <a:t>Serial.write</a:t>
-            </a:r>
-            <a:r>
-              <a:rPr lang="en-US" altLang="ko-KR" dirty="0">
-                <a:solidFill>
-                  <a:schemeClr val="bg1"/>
-                </a:solidFill>
-                <a:latin typeface="배달의민족 주아" panose="02020603020101020101" pitchFamily="18" charset="-127"/>
-                <a:ea typeface="배달의민족 주아" panose="02020603020101020101" pitchFamily="18" charset="-127"/>
-              </a:rPr>
-              <a:t>(</a:t>
-            </a:r>
-            <a:r>
-              <a:rPr lang="en-US" altLang="ko-KR" dirty="0" err="1">
-                <a:solidFill>
-                  <a:schemeClr val="bg1"/>
-                </a:solidFill>
-                <a:latin typeface="배달의민족 주아" panose="02020603020101020101" pitchFamily="18" charset="-127"/>
-                <a:ea typeface="배달의민족 주아" panose="02020603020101020101" pitchFamily="18" charset="-127"/>
-              </a:rPr>
-              <a:t>mySerial.read</a:t>
-            </a:r>
-            <a:r>
-              <a:rPr lang="en-US" altLang="ko-KR" dirty="0">
-                <a:solidFill>
-                  <a:schemeClr val="bg1"/>
-                </a:solidFill>
-                <a:latin typeface="배달의민족 주아" panose="02020603020101020101" pitchFamily="18" charset="-127"/>
-                <a:ea typeface="배달의민족 주아" panose="02020603020101020101" pitchFamily="18" charset="-127"/>
-              </a:rPr>
-              <a:t>());  //</a:t>
-            </a:r>
-            <a:r>
-              <a:rPr lang="ko-KR" altLang="en-US" dirty="0">
-                <a:solidFill>
-                  <a:schemeClr val="bg1"/>
-                </a:solidFill>
-                <a:latin typeface="배달의민족 주아" panose="02020603020101020101" pitchFamily="18" charset="-127"/>
-                <a:ea typeface="배달의민족 주아" panose="02020603020101020101" pitchFamily="18" charset="-127"/>
-              </a:rPr>
-              <a:t>블루투스측 내용을 시리얼모니터에 출력</a:t>
-            </a:r>
-          </a:p>
-          <a:p>
-            <a:r>
-              <a:rPr lang="ko-KR" altLang="en-US" dirty="0">
-                <a:solidFill>
-                  <a:schemeClr val="bg1"/>
-                </a:solidFill>
-                <a:latin typeface="배달의민족 주아" panose="02020603020101020101" pitchFamily="18" charset="-127"/>
-                <a:ea typeface="배달의민족 주아" panose="02020603020101020101" pitchFamily="18" charset="-127"/>
-              </a:rPr>
-              <a:t>  </a:t>
-            </a:r>
-            <a:r>
-              <a:rPr lang="en-US" altLang="ko-KR" dirty="0">
-                <a:solidFill>
-                  <a:schemeClr val="bg1"/>
-                </a:solidFill>
-                <a:latin typeface="배달의민족 주아" panose="02020603020101020101" pitchFamily="18" charset="-127"/>
-                <a:ea typeface="배달의민족 주아" panose="02020603020101020101" pitchFamily="18" charset="-127"/>
-              </a:rPr>
-              <a:t>}</a:t>
-            </a:r>
-          </a:p>
-          <a:p>
-            <a:r>
-              <a:rPr lang="en-US" altLang="ko-KR" dirty="0">
-                <a:solidFill>
-                  <a:schemeClr val="bg1"/>
-                </a:solidFill>
-                <a:latin typeface="배달의민족 주아" panose="02020603020101020101" pitchFamily="18" charset="-127"/>
-                <a:ea typeface="배달의민족 주아" panose="02020603020101020101" pitchFamily="18" charset="-127"/>
-              </a:rPr>
-              <a:t>  if (</a:t>
-            </a:r>
-            <a:r>
-              <a:rPr lang="en-US" altLang="ko-KR" dirty="0" err="1">
-                <a:solidFill>
-                  <a:schemeClr val="bg1"/>
-                </a:solidFill>
-                <a:latin typeface="배달의민족 주아" panose="02020603020101020101" pitchFamily="18" charset="-127"/>
-                <a:ea typeface="배달의민족 주아" panose="02020603020101020101" pitchFamily="18" charset="-127"/>
-              </a:rPr>
-              <a:t>Serial.available</a:t>
-            </a:r>
-            <a:r>
-              <a:rPr lang="en-US" altLang="ko-KR" dirty="0">
-                <a:solidFill>
-                  <a:schemeClr val="bg1"/>
-                </a:solidFill>
-                <a:latin typeface="배달의민족 주아" panose="02020603020101020101" pitchFamily="18" charset="-127"/>
-                <a:ea typeface="배달의민족 주아" panose="02020603020101020101" pitchFamily="18" charset="-127"/>
-              </a:rPr>
-              <a:t>()) {         </a:t>
-            </a:r>
-          </a:p>
-          <a:p>
-            <a:r>
-              <a:rPr lang="en-US" altLang="ko-KR" dirty="0">
-                <a:solidFill>
-                  <a:schemeClr val="bg1"/>
-                </a:solidFill>
-                <a:latin typeface="배달의민족 주아" panose="02020603020101020101" pitchFamily="18" charset="-127"/>
-                <a:ea typeface="배달의민족 주아" panose="02020603020101020101" pitchFamily="18" charset="-127"/>
-              </a:rPr>
-              <a:t>    </a:t>
-            </a:r>
-            <a:r>
-              <a:rPr lang="en-US" altLang="ko-KR" dirty="0" err="1">
-                <a:solidFill>
-                  <a:schemeClr val="bg1"/>
-                </a:solidFill>
-                <a:latin typeface="배달의민족 주아" panose="02020603020101020101" pitchFamily="18" charset="-127"/>
-                <a:ea typeface="배달의민족 주아" panose="02020603020101020101" pitchFamily="18" charset="-127"/>
-              </a:rPr>
-              <a:t>mySerial.write</a:t>
-            </a:r>
-            <a:r>
-              <a:rPr lang="en-US" altLang="ko-KR" dirty="0">
-                <a:solidFill>
-                  <a:schemeClr val="bg1"/>
-                </a:solidFill>
-                <a:latin typeface="배달의민족 주아" panose="02020603020101020101" pitchFamily="18" charset="-127"/>
-                <a:ea typeface="배달의민족 주아" panose="02020603020101020101" pitchFamily="18" charset="-127"/>
-              </a:rPr>
-              <a:t>(</a:t>
-            </a:r>
-            <a:r>
-              <a:rPr lang="en-US" altLang="ko-KR" dirty="0" err="1">
-                <a:solidFill>
-                  <a:schemeClr val="bg1"/>
-                </a:solidFill>
-                <a:latin typeface="배달의민족 주아" panose="02020603020101020101" pitchFamily="18" charset="-127"/>
-                <a:ea typeface="배달의민족 주아" panose="02020603020101020101" pitchFamily="18" charset="-127"/>
-              </a:rPr>
-              <a:t>Serial.read</a:t>
-            </a:r>
-            <a:r>
-              <a:rPr lang="en-US" altLang="ko-KR" dirty="0">
-                <a:solidFill>
-                  <a:schemeClr val="bg1"/>
-                </a:solidFill>
-                <a:latin typeface="배달의민족 주아" panose="02020603020101020101" pitchFamily="18" charset="-127"/>
-                <a:ea typeface="배달의민족 주아" panose="02020603020101020101" pitchFamily="18" charset="-127"/>
-              </a:rPr>
-              <a:t>());  //</a:t>
-            </a:r>
-            <a:r>
-              <a:rPr lang="ko-KR" altLang="en-US" dirty="0">
-                <a:solidFill>
-                  <a:schemeClr val="bg1"/>
-                </a:solidFill>
-                <a:latin typeface="배달의민족 주아" panose="02020603020101020101" pitchFamily="18" charset="-127"/>
-                <a:ea typeface="배달의민족 주아" panose="02020603020101020101" pitchFamily="18" charset="-127"/>
-              </a:rPr>
-              <a:t>시리얼 모니터 내용을</a:t>
-            </a:r>
-            <a:r>
-              <a:rPr lang="ko-KR" altLang="en-US">
-                <a:solidFill>
-                  <a:schemeClr val="bg1"/>
-                </a:solidFill>
-                <a:latin typeface="배달의민족 주아" panose="02020603020101020101" pitchFamily="18" charset="-127"/>
-                <a:ea typeface="배달의민족 주아" panose="02020603020101020101" pitchFamily="18" charset="-127"/>
-              </a:rPr>
-              <a:t> 블루투스</a:t>
-            </a:r>
-            <a:r>
-              <a:rPr lang="ko-KR" altLang="en-US" dirty="0">
-                <a:solidFill>
-                  <a:schemeClr val="bg1"/>
-                </a:solidFill>
-                <a:latin typeface="배달의민족 주아" panose="02020603020101020101" pitchFamily="18" charset="-127"/>
-                <a:ea typeface="배달의민족 주아" panose="02020603020101020101" pitchFamily="18" charset="-127"/>
-              </a:rPr>
-              <a:t> 측에 </a:t>
-            </a:r>
-            <a:r>
-              <a:rPr lang="en-US" altLang="ko-KR" dirty="0">
-                <a:solidFill>
-                  <a:schemeClr val="bg1"/>
-                </a:solidFill>
-                <a:latin typeface="배달의민족 주아" panose="02020603020101020101" pitchFamily="18" charset="-127"/>
-                <a:ea typeface="배달의민족 주아" panose="02020603020101020101" pitchFamily="18" charset="-127"/>
-              </a:rPr>
-              <a:t>WRITE</a:t>
-            </a:r>
-          </a:p>
-          <a:p>
-            <a:r>
-              <a:rPr lang="en-US" altLang="ko-KR" dirty="0">
-                <a:solidFill>
-                  <a:schemeClr val="bg1"/>
-                </a:solidFill>
-                <a:latin typeface="배달의민족 주아" panose="02020603020101020101" pitchFamily="18" charset="-127"/>
-                <a:ea typeface="배달의민족 주아" panose="02020603020101020101" pitchFamily="18" charset="-127"/>
-              </a:rPr>
-              <a:t>  }</a:t>
-            </a:r>
-          </a:p>
-          <a:p>
-            <a:r>
-              <a:rPr lang="en-US" altLang="ko-KR" dirty="0">
-                <a:solidFill>
-                  <a:schemeClr val="bg1"/>
-                </a:solidFill>
-                <a:latin typeface="배달의민족 주아" panose="02020603020101020101" pitchFamily="18" charset="-127"/>
-                <a:ea typeface="배달의민족 주아" panose="02020603020101020101" pitchFamily="18" charset="-127"/>
-              </a:rPr>
-              <a:t>}</a:t>
-            </a:r>
+            <a:endParaRPr lang="en-US" altLang="ko-KR" dirty="0">
+              <a:solidFill>
+                <a:schemeClr val="bg1"/>
+              </a:solidFill>
+              <a:latin typeface="배달의민족 주아" panose="02020603020101020101" pitchFamily="18" charset="-127"/>
+              <a:ea typeface="배달의민족 주아" panose="02020603020101020101" pitchFamily="18" charset="-127"/>
+            </a:endParaRPr>
           </a:p>
         </p:txBody>
       </p:sp>
@@ -20115,7 +20235,7 @@
         <p:spPr>
           <a:xfrm>
             <a:off x="209321" y="1663017"/>
-            <a:ext cx="11732964" cy="4893647"/>
+            <a:ext cx="11732964" cy="5086008"/>
           </a:xfrm>
           <a:prstGeom prst="rect">
             <a:avLst/>
@@ -20128,6 +20248,89 @@
           </a:bodyPr>
           <a:lstStyle/>
           <a:p>
+            <a:pPr marL="571500" indent="-571500">
+              <a:lnSpc>
+                <a:spcPct val="150000"/>
+              </a:lnSpc>
+              <a:buFontTx/>
+              <a:buChar char="-"/>
+            </a:pPr>
+            <a:r>
+              <a:rPr lang="ko-KR" altLang="en-US" sz="4400" dirty="0" smtClean="0">
+                <a:solidFill>
+                  <a:schemeClr val="bg1"/>
+                </a:solidFill>
+                <a:latin typeface="배달의민족 주아" panose="02020603020101020101" pitchFamily="18" charset="-127"/>
+                <a:ea typeface="배달의민족 주아" panose="02020603020101020101" pitchFamily="18" charset="-127"/>
+              </a:rPr>
+              <a:t>시리얼 모니터 열고 </a:t>
+            </a:r>
+            <a:r>
+              <a:rPr lang="en-US" altLang="ko-KR" sz="4400" dirty="0" err="1" smtClean="0">
+                <a:solidFill>
+                  <a:schemeClr val="bg1"/>
+                </a:solidFill>
+                <a:latin typeface="배달의민족 주아" panose="02020603020101020101" pitchFamily="18" charset="-127"/>
+                <a:ea typeface="배달의민족 주아" panose="02020603020101020101" pitchFamily="18" charset="-127"/>
+              </a:rPr>
+              <a:t>Atcommand</a:t>
+            </a:r>
+            <a:r>
+              <a:rPr lang="ko-KR" altLang="en-US" sz="4400" dirty="0" smtClean="0">
+                <a:solidFill>
+                  <a:schemeClr val="bg1"/>
+                </a:solidFill>
+                <a:latin typeface="배달의민족 주아" panose="02020603020101020101" pitchFamily="18" charset="-127"/>
+                <a:ea typeface="배달의민족 주아" panose="02020603020101020101" pitchFamily="18" charset="-127"/>
+              </a:rPr>
+              <a:t>라는 글자 출력 확인</a:t>
+            </a:r>
+            <a:endParaRPr lang="en-US" altLang="ko-KR" sz="4400" dirty="0" smtClean="0">
+              <a:solidFill>
+                <a:schemeClr val="bg1"/>
+              </a:solidFill>
+              <a:latin typeface="배달의민족 주아" panose="02020603020101020101" pitchFamily="18" charset="-127"/>
+              <a:ea typeface="배달의민족 주아" panose="02020603020101020101" pitchFamily="18" charset="-127"/>
+            </a:endParaRPr>
+          </a:p>
+          <a:p>
+            <a:pPr marL="571500" indent="-571500">
+              <a:lnSpc>
+                <a:spcPct val="150000"/>
+              </a:lnSpc>
+              <a:buFontTx/>
+              <a:buChar char="-"/>
+            </a:pPr>
+            <a:r>
+              <a:rPr lang="en-US" altLang="ko-KR" sz="4400" dirty="0" smtClean="0">
+                <a:solidFill>
+                  <a:schemeClr val="bg1"/>
+                </a:solidFill>
+                <a:latin typeface="배달의민족 주아" panose="02020603020101020101" pitchFamily="18" charset="-127"/>
+                <a:ea typeface="배달의민족 주아" panose="02020603020101020101" pitchFamily="18" charset="-127"/>
+              </a:rPr>
+              <a:t>VCC</a:t>
+            </a:r>
+            <a:r>
+              <a:rPr lang="ko-KR" altLang="en-US" sz="4400" dirty="0" smtClean="0">
+                <a:solidFill>
+                  <a:schemeClr val="bg1"/>
+                </a:solidFill>
+                <a:latin typeface="배달의민족 주아" panose="02020603020101020101" pitchFamily="18" charset="-127"/>
+                <a:ea typeface="배달의민족 주아" panose="02020603020101020101" pitchFamily="18" charset="-127"/>
+              </a:rPr>
+              <a:t>케이블을 뺐다가 다시 꽂아 </a:t>
+            </a:r>
+            <a:r>
+              <a:rPr lang="ko-KR" altLang="en-US" sz="4400" dirty="0">
+                <a:solidFill>
+                  <a:schemeClr val="bg1"/>
+                </a:solidFill>
+                <a:latin typeface="배달의민족 주아" panose="02020603020101020101" pitchFamily="18" charset="-127"/>
+                <a:ea typeface="배달의민족 주아" panose="02020603020101020101" pitchFamily="18" charset="-127"/>
+              </a:rPr>
+              <a:t>모듈의 </a:t>
+            </a:r>
             <a:r>
               <a:rPr lang="en-US" altLang="ko-KR" sz="4400" dirty="0">
                 <a:solidFill>
@@ -20136,7 +20339,7 @@
                 <a:latin typeface="배달의민족 주아" panose="02020603020101020101" pitchFamily="18" charset="-127"/>
                 <a:ea typeface="배달의민족 주아" panose="02020603020101020101" pitchFamily="18" charset="-127"/>
               </a:rPr>
-              <a:t>HC-05</a:t>
+              <a:t>LED</a:t>
             </a:r>
             <a:r>
               <a:rPr lang="ko-KR" altLang="en-US" sz="4400" dirty="0">
@@ -20146,40 +20349,18 @@
                 <a:latin typeface="배달의민족 주아" panose="02020603020101020101" pitchFamily="18" charset="-127"/>
                 <a:ea typeface="배달의민족 주아" panose="02020603020101020101" pitchFamily="18" charset="-127"/>
               </a:rPr>
-              <a:t>모듈 </a:t>
-            </a:r>
-            <a:r>
-              <a:rPr lang="en-US" altLang="ko-KR" sz="4400" dirty="0">
-                <a:solidFill>
-                  <a:schemeClr val="bg1"/>
-                </a:solidFill>
-                <a:latin typeface="배달의민족 주아" panose="02020603020101020101" pitchFamily="18" charset="-127"/>
-                <a:ea typeface="배달의민족 주아" panose="02020603020101020101" pitchFamily="18" charset="-127"/>
-              </a:rPr>
-              <a:t>AT </a:t>
-            </a:r>
-            <a:r>
-              <a:rPr lang="ko-KR" altLang="en-US" sz="4400" dirty="0">
-                <a:solidFill>
-                  <a:schemeClr val="bg1"/>
-                </a:solidFill>
-                <a:latin typeface="배달의민족 주아" panose="02020603020101020101" pitchFamily="18" charset="-127"/>
-                <a:ea typeface="배달의민족 주아" panose="02020603020101020101" pitchFamily="18" charset="-127"/>
-              </a:rPr>
-              <a:t>모드 및 명령어</a:t>
-            </a:r>
-            <a:r>
-              <a:rPr lang="en-US" altLang="ko-KR" sz="4400" dirty="0">
-                <a:solidFill>
-                  <a:schemeClr val="bg1"/>
-                </a:solidFill>
-                <a:latin typeface="배달의민족 주아" panose="02020603020101020101" pitchFamily="18" charset="-127"/>
-                <a:ea typeface="배달의민족 주아" panose="02020603020101020101" pitchFamily="18" charset="-127"/>
-              </a:rPr>
-              <a:t> (38400 Baud rate)</a:t>
-            </a:r>
-          </a:p>
-          <a:p>
+              <a:t>가 느리게 점멸하는지 </a:t>
+            </a:r>
+            <a:r>
+              <a:rPr lang="ko-KR" altLang="en-US" sz="4400" dirty="0" smtClean="0">
+                <a:solidFill>
+                  <a:schemeClr val="bg1"/>
+                </a:solidFill>
+                <a:latin typeface="배달의민족 주아" panose="02020603020101020101" pitchFamily="18" charset="-127"/>
+                <a:ea typeface="배달의민족 주아" panose="02020603020101020101" pitchFamily="18" charset="-127"/>
+              </a:rPr>
+              <a:t>확인</a:t>
+            </a:r>
             <a:endParaRPr lang="en-US" altLang="ko-KR" sz="4400" dirty="0">
               <a:solidFill>
                 <a:schemeClr val="bg1"/>
@@ -20189,18 +20370,115 @@
             </a:endParaRPr>
           </a:p>
           <a:p>
-            <a:r>
-              <a:rPr lang="en-US" altLang="ko-KR" sz="4400" dirty="0">
-                <a:solidFill>
-                  <a:schemeClr val="bg1"/>
-                </a:solidFill>
-                <a:latin typeface="배달의민족 주아" panose="02020603020101020101" pitchFamily="18" charset="-127"/>
-                <a:ea typeface="배달의민족 주아" panose="02020603020101020101" pitchFamily="18" charset="-127"/>
-              </a:rPr>
-              <a:t>3.3V</a:t>
-            </a:r>
-            <a:r>
-              <a:rPr lang="ko-KR" altLang="en-US" sz="4400" dirty="0">
+            <a:pPr marL="571500" indent="-571500">
+              <a:lnSpc>
+                <a:spcPct val="150000"/>
+              </a:lnSpc>
+              <a:buFontTx/>
+              <a:buChar char="-"/>
+            </a:pPr>
+            <a:r>
+              <a:rPr lang="ko-KR" altLang="en-US" sz="4400" b="1" dirty="0" smtClean="0">
+                <a:solidFill>
+                  <a:schemeClr val="bg1"/>
+                </a:solidFill>
+                <a:latin typeface="배달의민족 주아" panose="02020603020101020101" pitchFamily="18" charset="-127"/>
+                <a:ea typeface="배달의민족 주아" panose="02020603020101020101" pitchFamily="18" charset="-127"/>
+              </a:rPr>
+              <a:t>시리얼 </a:t>
+            </a:r>
+            <a:r>
+              <a:rPr lang="ko-KR" altLang="en-US" sz="4400" b="1" dirty="0">
+                <a:solidFill>
+                  <a:schemeClr val="bg1"/>
+                </a:solidFill>
+                <a:latin typeface="배달의민족 주아" panose="02020603020101020101" pitchFamily="18" charset="-127"/>
+                <a:ea typeface="배달의민족 주아" panose="02020603020101020101" pitchFamily="18" charset="-127"/>
+              </a:rPr>
+              <a:t>모니터 </a:t>
+            </a:r>
+            <a:r>
+              <a:rPr lang="ko-KR" altLang="en-US" sz="4400" b="1" dirty="0" smtClean="0">
+                <a:solidFill>
+                  <a:schemeClr val="bg1"/>
+                </a:solidFill>
+                <a:latin typeface="배달의민족 주아" panose="02020603020101020101" pitchFamily="18" charset="-127"/>
+                <a:ea typeface="배달의민족 주아" panose="02020603020101020101" pitchFamily="18" charset="-127"/>
+              </a:rPr>
+              <a:t>오른쪽 아래 </a:t>
+            </a:r>
+            <a:r>
+              <a:rPr lang="en-US" altLang="ko-KR" sz="4400" b="1" dirty="0">
+                <a:solidFill>
+                  <a:schemeClr val="bg1"/>
+                </a:solidFill>
+                <a:latin typeface="배달의민족 주아" panose="02020603020101020101" pitchFamily="18" charset="-127"/>
+                <a:ea typeface="배달의민족 주아" panose="02020603020101020101" pitchFamily="18" charset="-127"/>
+              </a:rPr>
+              <a:t>No line ending </a:t>
+            </a:r>
+            <a:r>
+              <a:rPr lang="ko-KR" altLang="en-US" sz="4400" b="1" dirty="0">
+                <a:solidFill>
+                  <a:schemeClr val="bg1"/>
+                </a:solidFill>
+                <a:latin typeface="배달의민족 주아" panose="02020603020101020101" pitchFamily="18" charset="-127"/>
+                <a:ea typeface="배달의민족 주아" panose="02020603020101020101" pitchFamily="18" charset="-127"/>
+              </a:rPr>
+              <a:t>을 </a:t>
+            </a:r>
+            <a:r>
+              <a:rPr lang="en-US" altLang="ko-KR" sz="4400" b="1" dirty="0">
+                <a:solidFill>
+                  <a:schemeClr val="bg1"/>
+                </a:solidFill>
+                <a:latin typeface="배달의민족 주아" panose="02020603020101020101" pitchFamily="18" charset="-127"/>
+                <a:ea typeface="배달의민족 주아" panose="02020603020101020101" pitchFamily="18" charset="-127"/>
+              </a:rPr>
+              <a:t>Both </a:t>
+            </a:r>
+            <a:r>
+              <a:rPr lang="en-US" altLang="ko-KR" sz="4400" b="1" dirty="0" smtClean="0">
+                <a:solidFill>
+                  <a:schemeClr val="bg1"/>
+                </a:solidFill>
+                <a:latin typeface="배달의민족 주아" panose="02020603020101020101" pitchFamily="18" charset="-127"/>
+                <a:ea typeface="배달의민족 주아" panose="02020603020101020101" pitchFamily="18" charset="-127"/>
+              </a:rPr>
+              <a:t>NL&amp;CR</a:t>
+            </a:r>
+            <a:r>
+              <a:rPr lang="ko-KR" altLang="en-US" sz="4400" b="1" dirty="0" smtClean="0">
+                <a:solidFill>
+                  <a:schemeClr val="bg1"/>
+                </a:solidFill>
+                <a:latin typeface="배달의민족 주아" panose="02020603020101020101" pitchFamily="18" charset="-127"/>
+                <a:ea typeface="배달의민족 주아" panose="02020603020101020101" pitchFamily="18" charset="-127"/>
+              </a:rPr>
+              <a:t>로</a:t>
+            </a:r>
+            <a:r>
+              <a:rPr lang="en-US" altLang="ko-KR" sz="4400" b="1" dirty="0" smtClean="0">
+                <a:solidFill>
+                  <a:schemeClr val="bg1"/>
+                </a:solidFill>
+                <a:latin typeface="배달의민족 주아" panose="02020603020101020101" pitchFamily="18" charset="-127"/>
+                <a:ea typeface="배달의민족 주아" panose="02020603020101020101" pitchFamily="18" charset="-127"/>
+              </a:rPr>
+              <a:t>, </a:t>
+            </a:r>
+            <a:r>
+              <a:rPr lang="ko-KR" altLang="en-US" sz="4400" b="1" dirty="0" err="1" smtClean="0">
+                <a:solidFill>
+                  <a:schemeClr val="bg1"/>
+                </a:solidFill>
+                <a:latin typeface="배달의민족 주아" panose="02020603020101020101" pitchFamily="18" charset="-127"/>
+                <a:ea typeface="배달의민족 주아" panose="02020603020101020101" pitchFamily="18" charset="-127"/>
+              </a:rPr>
+              <a:t>보드레이트는</a:t>
+            </a:r>
+            <a:r>
+              <a:rPr lang="ko-KR" altLang="en-US" sz="4400" b="1" dirty="0" smtClean="0">
                 <a:solidFill>
                   <a:schemeClr val="bg1"/>
                 </a:solidFill>
@@ -20210,86 +20488,26 @@
               <a:t> </a:t>
             </a:r>
             <a:r>
-              <a:rPr lang="en-US" altLang="ko-KR" sz="4400" dirty="0">
-                <a:solidFill>
-                  <a:schemeClr val="bg1"/>
-                </a:solidFill>
-                <a:latin typeface="배달의민족 주아" panose="02020603020101020101" pitchFamily="18" charset="-127"/>
-                <a:ea typeface="배달의민족 주아" panose="02020603020101020101" pitchFamily="18" charset="-127"/>
-              </a:rPr>
-              <a:t>-&gt;</a:t>
-            </a:r>
-            <a:r>
-              <a:rPr lang="ko-KR" altLang="en-US" sz="4400" dirty="0">
-                <a:solidFill>
-                  <a:schemeClr val="bg1"/>
-                </a:solidFill>
-                <a:latin typeface="배달의민족 주아" panose="02020603020101020101" pitchFamily="18" charset="-127"/>
-                <a:ea typeface="배달의민족 주아" panose="02020603020101020101" pitchFamily="18" charset="-127"/>
-              </a:rPr>
-              <a:t> </a:t>
-            </a:r>
-            <a:r>
-              <a:rPr lang="en-US" altLang="ko-KR" sz="4400" dirty="0">
-                <a:solidFill>
-                  <a:schemeClr val="bg1"/>
-                </a:solidFill>
-                <a:latin typeface="배달의민족 주아" panose="02020603020101020101" pitchFamily="18" charset="-127"/>
-                <a:ea typeface="배달의민족 주아" panose="02020603020101020101" pitchFamily="18" charset="-127"/>
-              </a:rPr>
-              <a:t>HC-06</a:t>
-            </a:r>
-            <a:r>
-              <a:rPr lang="ko-KR" altLang="en-US" sz="4400" dirty="0">
-                <a:solidFill>
-                  <a:schemeClr val="bg1"/>
-                </a:solidFill>
-                <a:latin typeface="배달의민족 주아" panose="02020603020101020101" pitchFamily="18" charset="-127"/>
-                <a:ea typeface="배달의민족 주아" panose="02020603020101020101" pitchFamily="18" charset="-127"/>
-              </a:rPr>
-              <a:t>의 </a:t>
-            </a:r>
-            <a:r>
-              <a:rPr lang="en-US" altLang="ko-KR" sz="4400" dirty="0">
-                <a:solidFill>
-                  <a:schemeClr val="bg1"/>
-                </a:solidFill>
-                <a:latin typeface="배달의민족 주아" panose="02020603020101020101" pitchFamily="18" charset="-127"/>
-                <a:ea typeface="배달의민족 주아" panose="02020603020101020101" pitchFamily="18" charset="-127"/>
-              </a:rPr>
-              <a:t>Button</a:t>
-            </a:r>
-            <a:r>
-              <a:rPr lang="ko-KR" altLang="en-US" sz="4400" dirty="0">
-                <a:solidFill>
-                  <a:schemeClr val="bg1"/>
-                </a:solidFill>
-                <a:latin typeface="배달의민족 주아" panose="02020603020101020101" pitchFamily="18" charset="-127"/>
-                <a:ea typeface="배달의민족 주아" panose="02020603020101020101" pitchFamily="18" charset="-127"/>
-              </a:rPr>
-              <a:t> 핀 에 꽂아 </a:t>
-            </a:r>
-            <a:r>
-              <a:rPr lang="en-US" altLang="ko-KR" sz="4400" dirty="0">
-                <a:solidFill>
-                  <a:schemeClr val="bg1"/>
-                </a:solidFill>
-                <a:latin typeface="배달의민족 주아" panose="02020603020101020101" pitchFamily="18" charset="-127"/>
-                <a:ea typeface="배달의민족 주아" panose="02020603020101020101" pitchFamily="18" charset="-127"/>
-              </a:rPr>
-              <a:t>HIGH </a:t>
-            </a:r>
-            <a:r>
-              <a:rPr lang="ko-KR" altLang="en-US" sz="4400" dirty="0">
-                <a:solidFill>
-                  <a:schemeClr val="bg1"/>
-                </a:solidFill>
-                <a:latin typeface="배달의민족 주아" panose="02020603020101020101" pitchFamily="18" charset="-127"/>
-                <a:ea typeface="배달의민족 주아" panose="02020603020101020101" pitchFamily="18" charset="-127"/>
-              </a:rPr>
-              <a:t>신호</a:t>
-            </a:r>
-            <a:endParaRPr lang="en-US" altLang="ko-KR" sz="4400" dirty="0">
+              <a:rPr lang="en-US" altLang="ko-KR" sz="4400" b="1" dirty="0" smtClean="0">
+                <a:solidFill>
+                  <a:schemeClr val="bg1"/>
+                </a:solidFill>
+                <a:latin typeface="배달의민족 주아" panose="02020603020101020101" pitchFamily="18" charset="-127"/>
+                <a:ea typeface="배달의민족 주아" panose="02020603020101020101" pitchFamily="18" charset="-127"/>
+              </a:rPr>
+              <a:t>9600baud</a:t>
+            </a:r>
+            <a:r>
+              <a:rPr lang="ko-KR" altLang="en-US" sz="4400" b="1" dirty="0" smtClean="0">
+                <a:solidFill>
+                  <a:schemeClr val="bg1"/>
+                </a:solidFill>
+                <a:latin typeface="배달의민족 주아" panose="02020603020101020101" pitchFamily="18" charset="-127"/>
+                <a:ea typeface="배달의민족 주아" panose="02020603020101020101" pitchFamily="18" charset="-127"/>
+              </a:rPr>
+              <a:t>로</a:t>
+            </a:r>
+            <a:endParaRPr lang="en-US" altLang="ko-KR" sz="4400" b="1" dirty="0" smtClean="0">
               <a:solidFill>
                 <a:schemeClr val="bg1"/>
               </a:solidFill>
@@ -20297,148 +20515,12 @@
               <a:ea typeface="배달의민족 주아" panose="02020603020101020101" pitchFamily="18" charset="-127"/>
             </a:endParaRPr>
           </a:p>
-          <a:p>
-            <a:endParaRPr lang="en-US" altLang="ko-KR" sz="4400" dirty="0">
-              <a:solidFill>
-                <a:schemeClr val="bg1"/>
-              </a:solidFill>
-              <a:latin typeface="배달의민족 주아" panose="02020603020101020101" pitchFamily="18" charset="-127"/>
-              <a:ea typeface="배달의민족 주아" panose="02020603020101020101" pitchFamily="18" charset="-127"/>
-            </a:endParaRPr>
-          </a:p>
-          <a:p>
-            <a:r>
-              <a:rPr lang="en-US" altLang="ko-KR" sz="4400" dirty="0">
-                <a:solidFill>
-                  <a:schemeClr val="bg1"/>
-                </a:solidFill>
-                <a:latin typeface="배달의민족 주아" panose="02020603020101020101" pitchFamily="18" charset="-127"/>
-                <a:ea typeface="배달의민족 주아" panose="02020603020101020101" pitchFamily="18" charset="-127"/>
-              </a:rPr>
-              <a:t>3.3V </a:t>
-            </a:r>
-            <a:r>
-              <a:rPr lang="ko-KR" altLang="en-US" sz="4400" dirty="0">
-                <a:solidFill>
-                  <a:schemeClr val="bg1"/>
-                </a:solidFill>
-                <a:latin typeface="배달의민족 주아" panose="02020603020101020101" pitchFamily="18" charset="-127"/>
-                <a:ea typeface="배달의민족 주아" panose="02020603020101020101" pitchFamily="18" charset="-127"/>
-              </a:rPr>
-              <a:t>핀을 뺀 후</a:t>
-            </a:r>
-            <a:r>
-              <a:rPr lang="en-US" altLang="ko-KR" sz="4400" dirty="0">
-                <a:solidFill>
-                  <a:schemeClr val="bg1"/>
-                </a:solidFill>
-                <a:latin typeface="배달의민족 주아" panose="02020603020101020101" pitchFamily="18" charset="-127"/>
-                <a:ea typeface="배달의민족 주아" panose="02020603020101020101" pitchFamily="18" charset="-127"/>
-              </a:rPr>
-              <a:t>, </a:t>
-            </a:r>
-            <a:r>
-              <a:rPr lang="ko-KR" altLang="en-US" sz="4400" dirty="0">
-                <a:solidFill>
-                  <a:schemeClr val="bg1"/>
-                </a:solidFill>
-                <a:latin typeface="배달의민족 주아" panose="02020603020101020101" pitchFamily="18" charset="-127"/>
-                <a:ea typeface="배달의민족 주아" panose="02020603020101020101" pitchFamily="18" charset="-127"/>
-              </a:rPr>
-              <a:t>모듈의 </a:t>
-            </a:r>
-            <a:r>
-              <a:rPr lang="en-US" altLang="ko-KR" sz="4400" dirty="0">
-                <a:solidFill>
-                  <a:schemeClr val="bg1"/>
-                </a:solidFill>
-                <a:latin typeface="배달의민족 주아" panose="02020603020101020101" pitchFamily="18" charset="-127"/>
-                <a:ea typeface="배달의민족 주아" panose="02020603020101020101" pitchFamily="18" charset="-127"/>
-              </a:rPr>
-              <a:t>LED</a:t>
-            </a:r>
-            <a:r>
-              <a:rPr lang="ko-KR" altLang="en-US" sz="4400" dirty="0">
-                <a:solidFill>
-                  <a:schemeClr val="bg1"/>
-                </a:solidFill>
-                <a:latin typeface="배달의민족 주아" panose="02020603020101020101" pitchFamily="18" charset="-127"/>
-                <a:ea typeface="배달의민족 주아" panose="02020603020101020101" pitchFamily="18" charset="-127"/>
-              </a:rPr>
-              <a:t>가 느리게 점멸하는지 확인</a:t>
-            </a:r>
-            <a:endParaRPr lang="en-US" altLang="ko-KR" sz="4400" dirty="0">
-              <a:solidFill>
-                <a:schemeClr val="bg1"/>
-              </a:solidFill>
-              <a:latin typeface="배달의민족 주아" panose="02020603020101020101" pitchFamily="18" charset="-127"/>
-              <a:ea typeface="배달의민족 주아" panose="02020603020101020101" pitchFamily="18" charset="-127"/>
-            </a:endParaRPr>
-          </a:p>
-          <a:p>
-            <a:endParaRPr lang="en-US" altLang="ko-KR" sz="4400" dirty="0">
-              <a:solidFill>
-                <a:schemeClr val="bg1"/>
-              </a:solidFill>
-              <a:latin typeface="배달의민족 주아" panose="02020603020101020101" pitchFamily="18" charset="-127"/>
-              <a:ea typeface="배달의민족 주아" panose="02020603020101020101" pitchFamily="18" charset="-127"/>
-            </a:endParaRPr>
-          </a:p>
-          <a:p>
-            <a:r>
-              <a:rPr lang="ko-KR" altLang="en-US" sz="4400" b="1" dirty="0">
-                <a:solidFill>
-                  <a:schemeClr val="bg1"/>
-                </a:solidFill>
-                <a:latin typeface="배달의민족 주아" panose="02020603020101020101" pitchFamily="18" charset="-127"/>
-                <a:ea typeface="배달의민족 주아" panose="02020603020101020101" pitchFamily="18" charset="-127"/>
-              </a:rPr>
-              <a:t>시리얼 모니터 오른쪽 </a:t>
-            </a:r>
-            <a:r>
-              <a:rPr lang="en-US" altLang="ko-KR" sz="4400" b="1" dirty="0">
-                <a:solidFill>
-                  <a:schemeClr val="bg1"/>
-                </a:solidFill>
-                <a:latin typeface="배달의민족 주아" panose="02020603020101020101" pitchFamily="18" charset="-127"/>
-                <a:ea typeface="배달의민족 주아" panose="02020603020101020101" pitchFamily="18" charset="-127"/>
-              </a:rPr>
-              <a:t>No line ending </a:t>
-            </a:r>
-            <a:r>
-              <a:rPr lang="ko-KR" altLang="en-US" sz="4400" b="1" dirty="0">
-                <a:solidFill>
-                  <a:schemeClr val="bg1"/>
-                </a:solidFill>
-                <a:latin typeface="배달의민족 주아" panose="02020603020101020101" pitchFamily="18" charset="-127"/>
-                <a:ea typeface="배달의민족 주아" panose="02020603020101020101" pitchFamily="18" charset="-127"/>
-              </a:rPr>
-              <a:t>을 </a:t>
-            </a:r>
-            <a:r>
-              <a:rPr lang="en-US" altLang="ko-KR" sz="4400" b="1" dirty="0">
-                <a:solidFill>
-                  <a:schemeClr val="bg1"/>
-                </a:solidFill>
-                <a:latin typeface="배달의민족 주아" panose="02020603020101020101" pitchFamily="18" charset="-127"/>
-                <a:ea typeface="배달의민족 주아" panose="02020603020101020101" pitchFamily="18" charset="-127"/>
-              </a:rPr>
-              <a:t>Both NL&amp;CR</a:t>
-            </a:r>
-            <a:endParaRPr lang="en-US" altLang="ko-KR" sz="4400" dirty="0">
-              <a:solidFill>
-                <a:schemeClr val="bg1"/>
-              </a:solidFill>
-              <a:latin typeface="배달의민족 주아" panose="02020603020101020101" pitchFamily="18" charset="-127"/>
-              <a:ea typeface="배달의민족 주아" panose="02020603020101020101" pitchFamily="18" charset="-127"/>
-            </a:endParaRPr>
-          </a:p>
         </p:txBody>
       </p:sp>
     </p:spTree>
     <p:extLst>
       <p:ext uri="{BB962C8B-B14F-4D97-AF65-F5344CB8AC3E}">
-        <p14:creationId xmlns:p14="http://schemas.microsoft.com/office/powerpoint/2010/main" val="2917590573"/>
+        <p14:creationId xmlns:p14="http://schemas.microsoft.com/office/powerpoint/2010/main" val="3071980453"/>
       </p:ext>
     </p:extLst>
   </p:cSld>
@@ -24933,7 +25015,7 @@
         <p:spPr>
           <a:xfrm>
             <a:off x="209320" y="1663017"/>
-            <a:ext cx="12063469" cy="4832092"/>
+            <a:ext cx="12063469" cy="5086008"/>
           </a:xfrm>
           <a:prstGeom prst="rect">
             <a:avLst/>
@@ -24946,107 +25028,74 @@
           </a:bodyPr>
           <a:lstStyle/>
           <a:p>
-            <a:r>
-              <a:rPr lang="en-US" altLang="ko-KR" sz="4400" dirty="0">
-                <a:solidFill>
-                  <a:schemeClr val="bg1"/>
-                </a:solidFill>
-                <a:latin typeface="배달의민족 주아" panose="02020603020101020101" pitchFamily="18" charset="-127"/>
-                <a:ea typeface="배달의민족 주아" panose="02020603020101020101" pitchFamily="18" charset="-127"/>
-              </a:rPr>
-              <a:t>3.3V</a:t>
-            </a:r>
-            <a:r>
-              <a:rPr lang="ko-KR" altLang="en-US" sz="4400" dirty="0">
-                <a:solidFill>
-                  <a:schemeClr val="bg1"/>
-                </a:solidFill>
-                <a:latin typeface="배달의민족 주아" panose="02020603020101020101" pitchFamily="18" charset="-127"/>
-                <a:ea typeface="배달의민족 주아" panose="02020603020101020101" pitchFamily="18" charset="-127"/>
-              </a:rPr>
-              <a:t> </a:t>
-            </a:r>
-            <a:r>
-              <a:rPr lang="en-US" altLang="ko-KR" sz="4400" dirty="0">
-                <a:solidFill>
-                  <a:schemeClr val="bg1"/>
-                </a:solidFill>
-                <a:latin typeface="배달의민족 주아" panose="02020603020101020101" pitchFamily="18" charset="-127"/>
-                <a:ea typeface="배달의민족 주아" panose="02020603020101020101" pitchFamily="18" charset="-127"/>
-              </a:rPr>
-              <a:t>-&gt;</a:t>
-            </a:r>
-            <a:r>
-              <a:rPr lang="ko-KR" altLang="en-US" sz="4400" dirty="0">
-                <a:solidFill>
-                  <a:schemeClr val="bg1"/>
-                </a:solidFill>
-                <a:latin typeface="배달의민족 주아" panose="02020603020101020101" pitchFamily="18" charset="-127"/>
-                <a:ea typeface="배달의민족 주아" panose="02020603020101020101" pitchFamily="18" charset="-127"/>
-              </a:rPr>
-              <a:t> </a:t>
-            </a:r>
-            <a:r>
-              <a:rPr lang="en-US" altLang="ko-KR" sz="4400" dirty="0">
-                <a:solidFill>
-                  <a:schemeClr val="bg1"/>
-                </a:solidFill>
-                <a:latin typeface="배달의민족 주아" panose="02020603020101020101" pitchFamily="18" charset="-127"/>
-                <a:ea typeface="배달의민족 주아" panose="02020603020101020101" pitchFamily="18" charset="-127"/>
-              </a:rPr>
-              <a:t>HC-06</a:t>
-            </a:r>
-            <a:r>
-              <a:rPr lang="ko-KR" altLang="en-US" sz="4400" dirty="0">
-                <a:solidFill>
-                  <a:schemeClr val="bg1"/>
-                </a:solidFill>
-                <a:latin typeface="배달의민족 주아" panose="02020603020101020101" pitchFamily="18" charset="-127"/>
-                <a:ea typeface="배달의민족 주아" panose="02020603020101020101" pitchFamily="18" charset="-127"/>
-              </a:rPr>
-              <a:t>의 </a:t>
-            </a:r>
-            <a:r>
-              <a:rPr lang="en-US" altLang="ko-KR" sz="4400" dirty="0">
-                <a:solidFill>
-                  <a:schemeClr val="bg1"/>
-                </a:solidFill>
-                <a:latin typeface="배달의민족 주아" panose="02020603020101020101" pitchFamily="18" charset="-127"/>
-                <a:ea typeface="배달의민족 주아" panose="02020603020101020101" pitchFamily="18" charset="-127"/>
-              </a:rPr>
-              <a:t>Button</a:t>
-            </a:r>
-            <a:r>
-              <a:rPr lang="ko-KR" altLang="en-US" sz="4400" dirty="0">
-                <a:solidFill>
-                  <a:schemeClr val="bg1"/>
-                </a:solidFill>
-                <a:latin typeface="배달의민족 주아" panose="02020603020101020101" pitchFamily="18" charset="-127"/>
-                <a:ea typeface="배달의민족 주아" panose="02020603020101020101" pitchFamily="18" charset="-127"/>
-              </a:rPr>
-              <a:t> 핀 에 꽂아 </a:t>
-            </a:r>
-            <a:r>
-              <a:rPr lang="en-US" altLang="ko-KR" sz="4400" dirty="0">
-                <a:solidFill>
-                  <a:schemeClr val="bg1"/>
-                </a:solidFill>
-                <a:latin typeface="배달의민족 주아" panose="02020603020101020101" pitchFamily="18" charset="-127"/>
-                <a:ea typeface="배달의민족 주아" panose="02020603020101020101" pitchFamily="18" charset="-127"/>
-              </a:rPr>
-              <a:t>HIGH </a:t>
-            </a:r>
-            <a:r>
-              <a:rPr lang="ko-KR" altLang="en-US" sz="4400" dirty="0">
-                <a:solidFill>
-                  <a:schemeClr val="bg1"/>
-                </a:solidFill>
-                <a:latin typeface="배달의민족 주아" panose="02020603020101020101" pitchFamily="18" charset="-127"/>
-                <a:ea typeface="배달의민족 주아" panose="02020603020101020101" pitchFamily="18" charset="-127"/>
-              </a:rPr>
-              <a:t>신호</a:t>
-            </a:r>
-            <a:endParaRPr lang="en-US" altLang="ko-KR" sz="4400" dirty="0">
+            <a:pPr marL="571500" indent="-571500">
+              <a:lnSpc>
+                <a:spcPct val="150000"/>
+              </a:lnSpc>
+              <a:buFontTx/>
+              <a:buChar char="-"/>
+            </a:pPr>
+            <a:r>
+              <a:rPr lang="ko-KR" altLang="en-US" sz="4400" dirty="0" err="1" smtClean="0">
+                <a:solidFill>
+                  <a:schemeClr val="bg1"/>
+                </a:solidFill>
+                <a:latin typeface="배달의민족 주아" panose="02020603020101020101" pitchFamily="18" charset="-127"/>
+                <a:ea typeface="배달의민족 주아" panose="02020603020101020101" pitchFamily="18" charset="-127"/>
+              </a:rPr>
+              <a:t>아두이노</a:t>
+            </a:r>
+            <a:r>
+              <a:rPr lang="ko-KR" altLang="en-US" sz="4400" dirty="0" smtClean="0">
+                <a:solidFill>
+                  <a:schemeClr val="bg1"/>
+                </a:solidFill>
+                <a:latin typeface="배달의민족 주아" panose="02020603020101020101" pitchFamily="18" charset="-127"/>
+                <a:ea typeface="배달의민족 주아" panose="02020603020101020101" pitchFamily="18" charset="-127"/>
+              </a:rPr>
+              <a:t> 본체에 연결된 </a:t>
+            </a:r>
+            <a:r>
+              <a:rPr lang="en-US" altLang="ko-KR" sz="4400" dirty="0" smtClean="0">
+                <a:solidFill>
+                  <a:schemeClr val="bg1"/>
+                </a:solidFill>
+                <a:latin typeface="배달의민족 주아" panose="02020603020101020101" pitchFamily="18" charset="-127"/>
+                <a:ea typeface="배달의민족 주아" panose="02020603020101020101" pitchFamily="18" charset="-127"/>
+              </a:rPr>
+              <a:t>USB</a:t>
+            </a:r>
+            <a:r>
+              <a:rPr lang="ko-KR" altLang="en-US" sz="4400" dirty="0" smtClean="0">
+                <a:solidFill>
+                  <a:schemeClr val="bg1"/>
+                </a:solidFill>
+                <a:latin typeface="배달의민족 주아" panose="02020603020101020101" pitchFamily="18" charset="-127"/>
+                <a:ea typeface="배달의민족 주아" panose="02020603020101020101" pitchFamily="18" charset="-127"/>
+              </a:rPr>
+              <a:t>연결 선 뺐다가 다시 꽂아 모듈의 </a:t>
+            </a:r>
+            <a:r>
+              <a:rPr lang="en-US" altLang="ko-KR" sz="4400" dirty="0" smtClean="0">
+                <a:solidFill>
+                  <a:schemeClr val="bg1"/>
+                </a:solidFill>
+                <a:latin typeface="배달의민족 주아" panose="02020603020101020101" pitchFamily="18" charset="-127"/>
+                <a:ea typeface="배달의민족 주아" panose="02020603020101020101" pitchFamily="18" charset="-127"/>
+              </a:rPr>
+              <a:t>LED</a:t>
+            </a:r>
+            <a:r>
+              <a:rPr lang="ko-KR" altLang="en-US" sz="4400" dirty="0" smtClean="0">
+                <a:solidFill>
+                  <a:schemeClr val="bg1"/>
+                </a:solidFill>
+                <a:latin typeface="배달의민족 주아" panose="02020603020101020101" pitchFamily="18" charset="-127"/>
+                <a:ea typeface="배달의민족 주아" panose="02020603020101020101" pitchFamily="18" charset="-127"/>
+              </a:rPr>
+              <a:t>가 다시 빠르게 점멸하는지 확인</a:t>
+            </a:r>
+            <a:endParaRPr lang="en-US" altLang="ko-KR" sz="4400" dirty="0" smtClean="0">
               <a:solidFill>
                 <a:schemeClr val="bg1"/>
               </a:solidFill>
@@ -25055,17 +25104,74 @@
             </a:endParaRPr>
           </a:p>
           <a:p>
-            <a:r>
-              <a:rPr lang="ko-KR" altLang="en-US" sz="4400" dirty="0">
-                <a:solidFill>
-                  <a:schemeClr val="bg1"/>
-                </a:solidFill>
-                <a:latin typeface="배달의민족 주아" panose="02020603020101020101" pitchFamily="18" charset="-127"/>
-                <a:ea typeface="배달의민족 주아" panose="02020603020101020101" pitchFamily="18" charset="-127"/>
-              </a:rPr>
-              <a:t> </a:t>
-            </a:r>
-            <a:endParaRPr lang="en-US" altLang="ko-KR" sz="4400" dirty="0">
+            <a:pPr marL="571500" indent="-571500">
+              <a:lnSpc>
+                <a:spcPct val="150000"/>
+              </a:lnSpc>
+              <a:buFontTx/>
+              <a:buChar char="-"/>
+            </a:pPr>
+            <a:r>
+              <a:rPr lang="ko-KR" altLang="en-US" sz="4400" dirty="0" smtClean="0">
+                <a:solidFill>
+                  <a:schemeClr val="bg1"/>
+                </a:solidFill>
+                <a:latin typeface="배달의민족 주아" panose="02020603020101020101" pitchFamily="18" charset="-127"/>
+                <a:ea typeface="배달의민족 주아" panose="02020603020101020101" pitchFamily="18" charset="-127"/>
+              </a:rPr>
+              <a:t>시리얼 모니터 </a:t>
+            </a:r>
+            <a:r>
+              <a:rPr lang="ko-KR" altLang="en-US" sz="4400" b="1" dirty="0">
+                <a:solidFill>
+                  <a:schemeClr val="bg1"/>
+                </a:solidFill>
+                <a:latin typeface="배달의민족 주아" panose="02020603020101020101" pitchFamily="18" charset="-127"/>
+                <a:ea typeface="배달의민족 주아" panose="02020603020101020101" pitchFamily="18" charset="-127"/>
+              </a:rPr>
+              <a:t>오른쪽 </a:t>
+            </a:r>
+            <a:r>
+              <a:rPr lang="en-US" altLang="ko-KR" sz="4400" b="1" dirty="0">
+                <a:solidFill>
+                  <a:schemeClr val="bg1"/>
+                </a:solidFill>
+                <a:latin typeface="배달의민족 주아" panose="02020603020101020101" pitchFamily="18" charset="-127"/>
+                <a:ea typeface="배달의민족 주아" panose="02020603020101020101" pitchFamily="18" charset="-127"/>
+              </a:rPr>
+              <a:t>Both NL&amp;CR</a:t>
+            </a:r>
+            <a:r>
+              <a:rPr lang="ko-KR" altLang="en-US" sz="4400" b="1" dirty="0">
+                <a:solidFill>
+                  <a:schemeClr val="bg1"/>
+                </a:solidFill>
+                <a:latin typeface="배달의민족 주아" panose="02020603020101020101" pitchFamily="18" charset="-127"/>
+                <a:ea typeface="배달의민족 주아" panose="02020603020101020101" pitchFamily="18" charset="-127"/>
+              </a:rPr>
+              <a:t>을 </a:t>
+            </a:r>
+            <a:r>
+              <a:rPr lang="en-US" altLang="ko-KR" sz="4400" b="1" dirty="0">
+                <a:solidFill>
+                  <a:schemeClr val="bg1"/>
+                </a:solidFill>
+                <a:latin typeface="배달의민족 주아" panose="02020603020101020101" pitchFamily="18" charset="-127"/>
+                <a:ea typeface="배달의민족 주아" panose="02020603020101020101" pitchFamily="18" charset="-127"/>
+              </a:rPr>
+              <a:t>No line ending</a:t>
+            </a:r>
+            <a:r>
+              <a:rPr lang="ko-KR" altLang="en-US" sz="4400" b="1" dirty="0" smtClean="0">
+                <a:solidFill>
+                  <a:schemeClr val="bg1"/>
+                </a:solidFill>
+                <a:latin typeface="배달의민족 주아" panose="02020603020101020101" pitchFamily="18" charset="-127"/>
+                <a:ea typeface="배달의민족 주아" panose="02020603020101020101" pitchFamily="18" charset="-127"/>
+              </a:rPr>
+              <a:t>로</a:t>
+            </a:r>
+            <a:endParaRPr lang="en-US" altLang="ko-KR" sz="4400" b="1" dirty="0" smtClean="0">
               <a:solidFill>
                 <a:schemeClr val="bg1"/>
               </a:solidFill>
@@ -25074,193 +25180,44 @@
             </a:endParaRPr>
           </a:p>
           <a:p>
-            <a:r>
-              <a:rPr lang="en-US" altLang="ko-KR" sz="4400" dirty="0">
-                <a:solidFill>
-                  <a:schemeClr val="bg1"/>
-                </a:solidFill>
-                <a:latin typeface="배달의민족 주아" panose="02020603020101020101" pitchFamily="18" charset="-127"/>
-                <a:ea typeface="배달의민족 주아" panose="02020603020101020101" pitchFamily="18" charset="-127"/>
-              </a:rPr>
-              <a:t>3.3V </a:t>
-            </a:r>
-            <a:r>
-              <a:rPr lang="ko-KR" altLang="en-US" sz="4400" dirty="0">
-                <a:solidFill>
-                  <a:schemeClr val="bg1"/>
-                </a:solidFill>
-                <a:latin typeface="배달의민족 주아" panose="02020603020101020101" pitchFamily="18" charset="-127"/>
-                <a:ea typeface="배달의민족 주아" panose="02020603020101020101" pitchFamily="18" charset="-127"/>
-              </a:rPr>
-              <a:t>핀을 뺀 후</a:t>
-            </a:r>
-            <a:r>
-              <a:rPr lang="en-US" altLang="ko-KR" sz="4400" dirty="0">
-                <a:solidFill>
-                  <a:schemeClr val="bg1"/>
-                </a:solidFill>
-                <a:latin typeface="배달의민족 주아" panose="02020603020101020101" pitchFamily="18" charset="-127"/>
-                <a:ea typeface="배달의민족 주아" panose="02020603020101020101" pitchFamily="18" charset="-127"/>
-              </a:rPr>
-              <a:t>, </a:t>
-            </a:r>
-            <a:r>
-              <a:rPr lang="ko-KR" altLang="en-US" sz="4400" dirty="0">
-                <a:solidFill>
-                  <a:schemeClr val="bg1"/>
-                </a:solidFill>
-                <a:latin typeface="배달의민족 주아" panose="02020603020101020101" pitchFamily="18" charset="-127"/>
-                <a:ea typeface="배달의민족 주아" panose="02020603020101020101" pitchFamily="18" charset="-127"/>
-              </a:rPr>
-              <a:t>모듈의 </a:t>
-            </a:r>
-            <a:r>
-              <a:rPr lang="en-US" altLang="ko-KR" sz="4400" dirty="0">
-                <a:solidFill>
-                  <a:schemeClr val="bg1"/>
-                </a:solidFill>
-                <a:latin typeface="배달의민족 주아" panose="02020603020101020101" pitchFamily="18" charset="-127"/>
-                <a:ea typeface="배달의민족 주아" panose="02020603020101020101" pitchFamily="18" charset="-127"/>
-              </a:rPr>
-              <a:t>VCC</a:t>
-            </a:r>
-            <a:r>
-              <a:rPr lang="ko-KR" altLang="en-US" sz="4400" dirty="0">
-                <a:solidFill>
-                  <a:schemeClr val="bg1"/>
-                </a:solidFill>
-                <a:latin typeface="배달의민족 주아" panose="02020603020101020101" pitchFamily="18" charset="-127"/>
-                <a:ea typeface="배달의민족 주아" panose="02020603020101020101" pitchFamily="18" charset="-127"/>
-              </a:rPr>
-              <a:t>핀을 뺐다가 다시 꽂아 줌</a:t>
-            </a:r>
-            <a:endParaRPr lang="en-US" altLang="ko-KR" sz="4400" dirty="0">
-              <a:solidFill>
-                <a:schemeClr val="bg1"/>
-              </a:solidFill>
-              <a:latin typeface="배달의민족 주아" panose="02020603020101020101" pitchFamily="18" charset="-127"/>
-              <a:ea typeface="배달의민족 주아" panose="02020603020101020101" pitchFamily="18" charset="-127"/>
-            </a:endParaRPr>
-          </a:p>
-          <a:p>
-            <a:endParaRPr lang="en-US" altLang="ko-KR" sz="4400" dirty="0">
-              <a:solidFill>
-                <a:schemeClr val="bg1"/>
-              </a:solidFill>
-              <a:latin typeface="배달의민족 주아" panose="02020603020101020101" pitchFamily="18" charset="-127"/>
-              <a:ea typeface="배달의민족 주아" panose="02020603020101020101" pitchFamily="18" charset="-127"/>
-            </a:endParaRPr>
-          </a:p>
-          <a:p>
-            <a:r>
-              <a:rPr lang="ko-KR" altLang="en-US" sz="4400" b="1" dirty="0">
-                <a:solidFill>
-                  <a:schemeClr val="bg1"/>
-                </a:solidFill>
-                <a:latin typeface="배달의민족 주아" panose="02020603020101020101" pitchFamily="18" charset="-127"/>
-                <a:ea typeface="배달의민족 주아" panose="02020603020101020101" pitchFamily="18" charset="-127"/>
-              </a:rPr>
-              <a:t>시리얼 모니터 오른쪽 </a:t>
-            </a:r>
-            <a:r>
-              <a:rPr lang="en-US" altLang="ko-KR" sz="4400" b="1" dirty="0">
-                <a:solidFill>
-                  <a:schemeClr val="bg1"/>
-                </a:solidFill>
-                <a:latin typeface="배달의민족 주아" panose="02020603020101020101" pitchFamily="18" charset="-127"/>
-                <a:ea typeface="배달의민족 주아" panose="02020603020101020101" pitchFamily="18" charset="-127"/>
-              </a:rPr>
-              <a:t>Both NL&amp;CR</a:t>
-            </a:r>
-            <a:r>
-              <a:rPr lang="ko-KR" altLang="en-US" sz="4400" b="1" dirty="0">
-                <a:solidFill>
-                  <a:schemeClr val="bg1"/>
-                </a:solidFill>
-                <a:latin typeface="배달의민족 주아" panose="02020603020101020101" pitchFamily="18" charset="-127"/>
-                <a:ea typeface="배달의민족 주아" panose="02020603020101020101" pitchFamily="18" charset="-127"/>
-              </a:rPr>
-              <a:t>을 </a:t>
-            </a:r>
-            <a:r>
-              <a:rPr lang="en-US" altLang="ko-KR" sz="4400" b="1" dirty="0">
-                <a:solidFill>
-                  <a:schemeClr val="bg1"/>
-                </a:solidFill>
-                <a:latin typeface="배달의민족 주아" panose="02020603020101020101" pitchFamily="18" charset="-127"/>
-                <a:ea typeface="배달의민족 주아" panose="02020603020101020101" pitchFamily="18" charset="-127"/>
-              </a:rPr>
-              <a:t>No line ending</a:t>
-            </a:r>
-            <a:r>
-              <a:rPr lang="ko-KR" altLang="en-US" sz="4400" b="1" dirty="0">
-                <a:solidFill>
-                  <a:schemeClr val="bg1"/>
-                </a:solidFill>
-                <a:latin typeface="배달의민족 주아" panose="02020603020101020101" pitchFamily="18" charset="-127"/>
-                <a:ea typeface="배달의민족 주아" panose="02020603020101020101" pitchFamily="18" charset="-127"/>
-              </a:rPr>
-              <a:t>로</a:t>
+            <a:pPr marL="571500" indent="-571500">
+              <a:lnSpc>
+                <a:spcPct val="150000"/>
+              </a:lnSpc>
+              <a:buFontTx/>
+              <a:buChar char="-"/>
+            </a:pPr>
+            <a:r>
+              <a:rPr lang="en-US" altLang="ko-KR" sz="4400" b="1" dirty="0" err="1" smtClean="0">
+                <a:solidFill>
+                  <a:schemeClr val="bg1"/>
+                </a:solidFill>
+                <a:latin typeface="배달의민족 주아" panose="02020603020101020101" pitchFamily="18" charset="-127"/>
+                <a:ea typeface="배달의민족 주아" panose="02020603020101020101" pitchFamily="18" charset="-127"/>
+              </a:rPr>
+              <a:t>mySerial.begin</a:t>
+            </a:r>
+            <a:r>
+              <a:rPr lang="en-US" altLang="ko-KR" sz="4400" b="1" dirty="0" smtClean="0">
+                <a:solidFill>
+                  <a:schemeClr val="bg1"/>
+                </a:solidFill>
+                <a:latin typeface="배달의민족 주아" panose="02020603020101020101" pitchFamily="18" charset="-127"/>
+                <a:ea typeface="배달의민족 주아" panose="02020603020101020101" pitchFamily="18" charset="-127"/>
+              </a:rPr>
+              <a:t>(9600); </a:t>
+            </a:r>
+            <a:r>
+              <a:rPr lang="ko-KR" altLang="en-US" sz="4400" b="1" dirty="0" smtClean="0">
+                <a:solidFill>
+                  <a:schemeClr val="bg1"/>
+                </a:solidFill>
+                <a:latin typeface="배달의민족 주아" panose="02020603020101020101" pitchFamily="18" charset="-127"/>
+                <a:ea typeface="배달의민족 주아" panose="02020603020101020101" pitchFamily="18" charset="-127"/>
+              </a:rPr>
+              <a:t>으로 수정</a:t>
             </a:r>
             <a:endParaRPr lang="en-US" altLang="ko-KR" sz="4400" b="1" dirty="0">
-              <a:solidFill>
-                <a:schemeClr val="bg1"/>
-              </a:solidFill>
-              <a:latin typeface="배달의민족 주아" panose="02020603020101020101" pitchFamily="18" charset="-127"/>
-              <a:ea typeface="배달의민족 주아" panose="02020603020101020101" pitchFamily="18" charset="-127"/>
-            </a:endParaRPr>
-          </a:p>
-          <a:p>
-            <a:endParaRPr lang="en-US" altLang="ko-KR" sz="4400" b="1" dirty="0">
-              <a:solidFill>
-                <a:schemeClr val="bg1"/>
-              </a:solidFill>
-              <a:latin typeface="배달의민족 주아" panose="02020603020101020101" pitchFamily="18" charset="-127"/>
-              <a:ea typeface="배달의민족 주아" panose="02020603020101020101" pitchFamily="18" charset="-127"/>
-            </a:endParaRPr>
-          </a:p>
-          <a:p>
-            <a:r>
-              <a:rPr lang="ko-KR" altLang="en-US" sz="4400" dirty="0">
-                <a:solidFill>
-                  <a:schemeClr val="bg1"/>
-                </a:solidFill>
-                <a:latin typeface="배달의민족 주아" panose="02020603020101020101" pitchFamily="18" charset="-127"/>
-                <a:ea typeface="배달의민족 주아" panose="02020603020101020101" pitchFamily="18" charset="-127"/>
-              </a:rPr>
-              <a:t> </a:t>
-            </a:r>
-            <a:r>
-              <a:rPr lang="en-US" altLang="ko-KR" sz="4400" dirty="0" err="1">
-                <a:solidFill>
-                  <a:schemeClr val="bg1"/>
-                </a:solidFill>
-                <a:latin typeface="배달의민족 주아" panose="02020603020101020101" pitchFamily="18" charset="-127"/>
-                <a:ea typeface="배달의민족 주아" panose="02020603020101020101" pitchFamily="18" charset="-127"/>
-              </a:rPr>
-              <a:t>mySerial.begin</a:t>
-            </a:r>
-            <a:r>
-              <a:rPr lang="en-US" altLang="ko-KR" sz="4400" dirty="0">
-                <a:solidFill>
-                  <a:schemeClr val="bg1"/>
-                </a:solidFill>
-                <a:latin typeface="배달의민족 주아" panose="02020603020101020101" pitchFamily="18" charset="-127"/>
-                <a:ea typeface="배달의민족 주아" panose="02020603020101020101" pitchFamily="18" charset="-127"/>
-              </a:rPr>
-              <a:t>(9600); </a:t>
-            </a:r>
-            <a:r>
-              <a:rPr lang="ko-KR" altLang="en-US" sz="4400" dirty="0">
-                <a:solidFill>
-                  <a:schemeClr val="bg1"/>
-                </a:solidFill>
-                <a:latin typeface="배달의민족 주아" panose="02020603020101020101" pitchFamily="18" charset="-127"/>
-                <a:ea typeface="배달의민족 주아" panose="02020603020101020101" pitchFamily="18" charset="-127"/>
-              </a:rPr>
-              <a:t>으로 수정</a:t>
-            </a:r>
-            <a:endParaRPr lang="en-US" altLang="ko-KR" sz="4400" dirty="0">
               <a:solidFill>
                 <a:schemeClr val="bg1"/>
               </a:solidFill>
@@ -26262,7 +26219,7 @@
         </p:blipFill>
         <p:spPr>
           <a:xfrm>
-            <a:off x="6030300" y="3794413"/>
+            <a:off x="6966975" y="4214037"/>
             <a:ext cx="4922520" cy="2630836"/>
           </a:xfrm>
           <a:prstGeom prst="rect">
@@ -26306,7 +26263,7 @@
               <a:buChar char="•"/>
             </a:pPr>
             <a:r>
-              <a:rPr lang="ko-KR" altLang="en-US" sz="3200" dirty="0">
+              <a:rPr lang="ko-KR" altLang="en-US" sz="3200" dirty="0" smtClean="0">
                 <a:solidFill>
                   <a:schemeClr val="bg1"/>
                 </a:solidFill>
@@ -26316,7 +26273,7 @@
               <a:t>구글 플레이스토어 에서 </a:t>
             </a:r>
             <a:r>
-              <a:rPr lang="en-US" altLang="ko-KR" sz="3200" dirty="0">
+              <a:rPr lang="en-US" altLang="ko-KR" sz="3200" dirty="0" smtClean="0">
                 <a:solidFill>
                   <a:schemeClr val="bg1"/>
                 </a:solidFill>
@@ -26326,7 +26283,7 @@
               <a:t>RC Car</a:t>
             </a:r>
             <a:r>
-              <a:rPr lang="ko-KR" altLang="en-US" sz="3200" dirty="0">
+              <a:rPr lang="ko-KR" altLang="en-US" sz="3200" dirty="0" smtClean="0">
                 <a:solidFill>
                   <a:schemeClr val="bg1"/>
                 </a:solidFill>
@@ -26336,7 +26293,7 @@
               <a:t>를 조종할 수 있는 </a:t>
             </a:r>
             <a:r>
-              <a:rPr lang="en-US" altLang="ko-KR" sz="3200" dirty="0">
+              <a:rPr lang="en-US" altLang="ko-KR" sz="3200" dirty="0" smtClean="0">
                 <a:solidFill>
                   <a:schemeClr val="bg1"/>
                 </a:solidFill>
@@ -26346,7 +26303,7 @@
               <a:t>App </a:t>
             </a:r>
             <a:r>
-              <a:rPr lang="ko-KR" altLang="en-US" sz="3200" dirty="0">
+              <a:rPr lang="ko-KR" altLang="en-US" sz="3200" dirty="0" smtClean="0">
                 <a:solidFill>
                   <a:schemeClr val="bg1"/>
                 </a:solidFill>
@@ -26355,7 +26312,7 @@
               </a:rPr>
               <a:t>다운</a:t>
             </a:r>
-            <a:endParaRPr lang="en-US" altLang="ko-KR" sz="3200" dirty="0">
+            <a:endParaRPr lang="en-US" altLang="ko-KR" sz="3200" dirty="0" smtClean="0">
               <a:solidFill>
                 <a:schemeClr val="bg1"/>
               </a:solidFill>
@@ -26372,7 +26329,7 @@
               <a:buChar char="•"/>
             </a:pPr>
             <a:r>
-              <a:rPr lang="en-US" altLang="ko-KR" sz="3200" dirty="0">
+              <a:rPr lang="en-US" altLang="ko-KR" sz="3200" dirty="0" smtClean="0">
                 <a:solidFill>
                   <a:schemeClr val="bg1"/>
                 </a:solidFill>
@@ -26382,7 +26339,7 @@
               <a:t>App</a:t>
             </a:r>
             <a:r>
-              <a:rPr lang="ko-KR" altLang="en-US" sz="3200" dirty="0">
+              <a:rPr lang="ko-KR" altLang="en-US" sz="3200" dirty="0" smtClean="0">
                 <a:solidFill>
                   <a:schemeClr val="bg1"/>
                 </a:solidFill>
@@ -26392,7 +26349,7 @@
               <a:t> 이름 </a:t>
             </a:r>
             <a:r>
-              <a:rPr lang="en-US" altLang="ko-KR" sz="3200" dirty="0">
+              <a:rPr lang="en-US" altLang="ko-KR" sz="3200" dirty="0" smtClean="0">
                 <a:solidFill>
                   <a:schemeClr val="bg1"/>
                 </a:solidFill>
@@ -26411,6 +26368,16 @@
               <a:buChar char="•"/>
             </a:pPr>
             <a:r>
+              <a:rPr lang="ko-KR" altLang="en-US" sz="3200" dirty="0" smtClean="0">
+                <a:solidFill>
+                  <a:schemeClr val="bg1"/>
+                </a:solidFill>
+                <a:latin typeface="배달의민족 주아" panose="02020603020101020101" pitchFamily="18" charset="-127"/>
+                <a:ea typeface="배달의민족 주아" panose="02020603020101020101" pitchFamily="18" charset="-127"/>
+              </a:rPr>
+              <a:t>모듈과 </a:t>
+            </a:r>
+            <a:r>
               <a:rPr lang="ko-KR" altLang="en-US" sz="3200" dirty="0">
                 <a:solidFill>
                   <a:schemeClr val="bg1"/>
@@ -26418,17 +26385,37 @@
                 <a:latin typeface="배달의민족 주아" panose="02020603020101020101" pitchFamily="18" charset="-127"/>
                 <a:ea typeface="배달의민족 주아" panose="02020603020101020101" pitchFamily="18" charset="-127"/>
               </a:rPr>
-              <a:t>모듈과 핸드폰 </a:t>
-            </a:r>
-            <a:r>
-              <a:rPr lang="ko-KR" altLang="en-US" sz="3200" dirty="0" err="1">
-                <a:solidFill>
-                  <a:schemeClr val="bg1"/>
-                </a:solidFill>
-                <a:latin typeface="배달의민족 주아" panose="02020603020101020101" pitchFamily="18" charset="-127"/>
-                <a:ea typeface="배달의민족 주아" panose="02020603020101020101" pitchFamily="18" charset="-127"/>
-              </a:rPr>
-              <a:t>페어링</a:t>
+              <a:t>핸드폰 </a:t>
+            </a:r>
+            <a:r>
+              <a:rPr lang="ko-KR" altLang="en-US" sz="3200" dirty="0" smtClean="0">
+                <a:solidFill>
+                  <a:schemeClr val="bg1"/>
+                </a:solidFill>
+                <a:latin typeface="배달의민족 주아" panose="02020603020101020101" pitchFamily="18" charset="-127"/>
+                <a:ea typeface="배달의민족 주아" panose="02020603020101020101" pitchFamily="18" charset="-127"/>
+              </a:rPr>
+              <a:t>블루투스 연결 </a:t>
+            </a:r>
+            <a:r>
+              <a:rPr lang="en-US" altLang="ko-KR" sz="3200" dirty="0" smtClean="0">
+                <a:solidFill>
+                  <a:schemeClr val="bg1"/>
+                </a:solidFill>
+                <a:latin typeface="배달의민족 주아" panose="02020603020101020101" pitchFamily="18" charset="-127"/>
+                <a:ea typeface="배달의민족 주아" panose="02020603020101020101" pitchFamily="18" charset="-127"/>
+              </a:rPr>
+              <a:t>-&gt; App </a:t>
+            </a:r>
+            <a:r>
+              <a:rPr lang="ko-KR" altLang="en-US" sz="3200" dirty="0" smtClean="0">
+                <a:solidFill>
+                  <a:schemeClr val="bg1"/>
+                </a:solidFill>
+                <a:latin typeface="배달의민족 주아" panose="02020603020101020101" pitchFamily="18" charset="-127"/>
+                <a:ea typeface="배달의민족 주아" panose="02020603020101020101" pitchFamily="18" charset="-127"/>
+              </a:rPr>
+              <a:t>내부에서 설정 </a:t>
             </a:r>
             <a:r>
               <a:rPr lang="ko-KR" altLang="en-US" sz="3200" dirty="0">
@@ -26438,27 +26425,7 @@
                 <a:latin typeface="배달의민족 주아" panose="02020603020101020101" pitchFamily="18" charset="-127"/>
                 <a:ea typeface="배달의민족 주아" panose="02020603020101020101" pitchFamily="18" charset="-127"/>
               </a:rPr>
-              <a:t> </a:t>
-            </a:r>
-            <a:r>
-              <a:rPr lang="en-US" altLang="ko-KR" sz="3200" dirty="0">
-                <a:solidFill>
-                  <a:schemeClr val="bg1"/>
-                </a:solidFill>
-                <a:latin typeface="배달의민족 주아" panose="02020603020101020101" pitchFamily="18" charset="-127"/>
-                <a:ea typeface="배달의민족 주아" panose="02020603020101020101" pitchFamily="18" charset="-127"/>
-              </a:rPr>
-              <a:t>-&gt;</a:t>
-            </a:r>
-            <a:r>
-              <a:rPr lang="ko-KR" altLang="en-US" sz="3200" dirty="0">
-                <a:solidFill>
-                  <a:schemeClr val="bg1"/>
-                </a:solidFill>
-                <a:latin typeface="배달의민족 주아" panose="02020603020101020101" pitchFamily="18" charset="-127"/>
-                <a:ea typeface="배달의민족 주아" panose="02020603020101020101" pitchFamily="18" charset="-127"/>
-              </a:rPr>
-              <a:t>설정 클릭 </a:t>
+              <a:t>클릭 </a:t>
             </a:r>
             <a:r>
               <a:rPr lang="en-US" altLang="ko-KR" sz="3200" dirty="0">
